--- a/기획/세력 기획서.pptx
+++ b/기획/세력 기획서.pptx
@@ -357,7 +357,7 @@
           <a:p>
             <a:fld id="{4E9214C1-2863-45BA-A7C5-D5EA3C3D4C30}" type="datetimeFigureOut">
               <a:rPr lang="ko-KR" altLang="en-US" smtClean="0"/>
-              <a:t>2023-11-24</a:t>
+              <a:t>2023-11-27</a:t>
             </a:fld>
             <a:endParaRPr lang="ko-KR" altLang="en-US"/>
           </a:p>
@@ -522,7 +522,7 @@
           <a:p>
             <a:fld id="{8F563C85-90F6-445D-9B5B-8ABB00FB3043}" type="datetimeFigureOut">
               <a:rPr lang="ko-KR" altLang="en-US" smtClean="0"/>
-              <a:t>2023-11-24</a:t>
+              <a:t>2023-11-27</a:t>
             </a:fld>
             <a:endParaRPr lang="ko-KR" altLang="en-US"/>
           </a:p>
@@ -1013,7 +1013,7 @@
             </a:pPr>
             <a:fld id="{B9320F77-B9A0-41C5-862A-B4B631284C64}" type="datetime1">
               <a:rPr lang="en-GB" altLang="en-US"/>
-              <a:t>24/11/2023</a:t>
+              <a:t>27/11/2023</a:t>
             </a:fld>
             <a:endParaRPr lang="ko-KR" altLang="en-US"/>
           </a:p>
@@ -1213,7 +1213,7 @@
             </a:pPr>
             <a:fld id="{B9320F77-B9A0-41C5-862A-B4B631284C64}" type="datetime1">
               <a:rPr lang="en-GB" altLang="en-US"/>
-              <a:t>24/11/2023</a:t>
+              <a:t>27/11/2023</a:t>
             </a:fld>
             <a:endParaRPr lang="ko-KR" altLang="en-US"/>
           </a:p>
@@ -1413,7 +1413,7 @@
             </a:pPr>
             <a:fld id="{B9320F77-B9A0-41C5-862A-B4B631284C64}" type="datetime1">
               <a:rPr lang="en-GB" altLang="en-US"/>
-              <a:t>24/11/2023</a:t>
+              <a:t>27/11/2023</a:t>
             </a:fld>
             <a:endParaRPr lang="ko-KR" altLang="en-US"/>
           </a:p>
@@ -1613,7 +1613,7 @@
             </a:pPr>
             <a:fld id="{B9320F77-B9A0-41C5-862A-B4B631284C64}" type="datetime1">
               <a:rPr lang="en-GB" altLang="en-US"/>
-              <a:t>24/11/2023</a:t>
+              <a:t>27/11/2023</a:t>
             </a:fld>
             <a:endParaRPr lang="ko-KR" altLang="en-US"/>
           </a:p>
@@ -1879,7 +1879,7 @@
             </a:pPr>
             <a:fld id="{B9320F77-B9A0-41C5-862A-B4B631284C64}" type="datetime1">
               <a:rPr lang="en-GB" altLang="en-US"/>
-              <a:t>24/11/2023</a:t>
+              <a:t>27/11/2023</a:t>
             </a:fld>
             <a:endParaRPr lang="ko-KR" altLang="en-US"/>
           </a:p>
@@ -2135,7 +2135,7 @@
             </a:pPr>
             <a:fld id="{B9320F77-B9A0-41C5-862A-B4B631284C64}" type="datetime1">
               <a:rPr lang="en-GB" altLang="en-US"/>
-              <a:t>24/11/2023</a:t>
+              <a:t>27/11/2023</a:t>
             </a:fld>
             <a:endParaRPr lang="ko-KR" altLang="en-US"/>
           </a:p>
@@ -2521,7 +2521,7 @@
             </a:pPr>
             <a:fld id="{B9320F77-B9A0-41C5-862A-B4B631284C64}" type="datetime1">
               <a:rPr lang="en-GB" altLang="en-US"/>
-              <a:t>24/11/2023</a:t>
+              <a:t>27/11/2023</a:t>
             </a:fld>
             <a:endParaRPr lang="ko-KR" altLang="en-US"/>
           </a:p>
@@ -2665,7 +2665,7 @@
             </a:pPr>
             <a:fld id="{B9320F77-B9A0-41C5-862A-B4B631284C64}" type="datetime1">
               <a:rPr lang="en-GB" altLang="en-US"/>
-              <a:t>24/11/2023</a:t>
+              <a:t>27/11/2023</a:t>
             </a:fld>
             <a:endParaRPr lang="ko-KR" altLang="en-US"/>
           </a:p>
@@ -2782,7 +2782,7 @@
             </a:pPr>
             <a:fld id="{B9320F77-B9A0-41C5-862A-B4B631284C64}" type="datetime1">
               <a:rPr lang="en-GB" altLang="en-US"/>
-              <a:t>24/11/2023</a:t>
+              <a:t>27/11/2023</a:t>
             </a:fld>
             <a:endParaRPr lang="ko-KR" altLang="en-US"/>
           </a:p>
@@ -3079,7 +3079,7 @@
             </a:pPr>
             <a:fld id="{B9320F77-B9A0-41C5-862A-B4B631284C64}" type="datetime1">
               <a:rPr lang="en-GB" altLang="en-US"/>
-              <a:t>24/11/2023</a:t>
+              <a:t>27/11/2023</a:t>
             </a:fld>
             <a:endParaRPr lang="ko-KR" altLang="en-US"/>
           </a:p>
@@ -3353,7 +3353,7 @@
             </a:pPr>
             <a:fld id="{B9320F77-B9A0-41C5-862A-B4B631284C64}" type="datetime1">
               <a:rPr lang="en-GB" altLang="en-US"/>
-              <a:t>24/11/2023</a:t>
+              <a:t>27/11/2023</a:t>
             </a:fld>
             <a:endParaRPr lang="ko-KR" altLang="en-US"/>
           </a:p>
@@ -3583,7 +3583,7 @@
             </a:pPr>
             <a:fld id="{B9320F77-B9A0-41C5-862A-B4B631284C64}" type="datetime1">
               <a:rPr lang="en-GB" altLang="en-US"/>
-              <a:t>24/11/2023</a:t>
+              <a:t>27/11/2023</a:t>
             </a:fld>
             <a:endParaRPr lang="ko-KR" altLang="en-US"/>
           </a:p>
@@ -4579,279 +4579,6 @@
       </p:graphicFrame>
       <p:graphicFrame>
         <p:nvGraphicFramePr>
-          <p:cNvPr id="5" name="Table 3">
-            <a:extLst>
-              <a:ext uri="{FF2B5EF4-FFF2-40B4-BE49-F238E27FC236}">
-                <a16:creationId xmlns:a16="http://schemas.microsoft.com/office/drawing/2014/main" id="{092D6FC7-DC94-484F-83F2-7958F99C6F33}"/>
-              </a:ext>
-            </a:extLst>
-          </p:cNvPr>
-          <p:cNvGraphicFramePr>
-            <a:graphicFrameLocks noGrp="1"/>
-          </p:cNvGraphicFramePr>
-          <p:nvPr>
-            <p:extLst>
-              <p:ext uri="{D42A27DB-BD31-4B8C-83A1-F6EECF244321}">
-                <p14:modId xmlns:p14="http://schemas.microsoft.com/office/powerpoint/2010/main" val="2985647459"/>
-              </p:ext>
-            </p:extLst>
-          </p:nvPr>
-        </p:nvGraphicFramePr>
-        <p:xfrm>
-          <a:off x="3640014" y="1431925"/>
-          <a:ext cx="8215435" cy="822960"/>
-        </p:xfrm>
-        <a:graphic>
-          <a:graphicData uri="http://schemas.openxmlformats.org/drawingml/2006/table">
-            <a:tbl>
-              <a:tblPr firstRow="1" bandRow="1">
-                <a:tableStyleId>{5C22544A-7EE6-4342-B048-85BDC9FD1C3A}</a:tableStyleId>
-              </a:tblPr>
-              <a:tblGrid>
-                <a:gridCol w="8215435">
-                  <a:extLst>
-                    <a:ext uri="{9D8B030D-6E8A-4147-A177-3AD203B41FA5}">
-                      <a16:colId xmlns:a16="http://schemas.microsoft.com/office/drawing/2014/main" val="20000"/>
-                    </a:ext>
-                  </a:extLst>
-                </a:gridCol>
-              </a:tblGrid>
-              <a:tr h="0">
-                <a:tc>
-                  <a:txBody>
-                    <a:bodyPr/>
-                    <a:lstStyle/>
-                    <a:p>
-                      <a:pPr marL="0" lvl="1" indent="0" latinLnBrk="0">
-                        <a:buFontTx/>
-                        <a:buNone/>
-                      </a:pPr>
-                      <a:r>
-                        <a:rPr lang="ko-KR" altLang="en-US" b="1" kern="1200" dirty="0">
-                          <a:solidFill>
-                            <a:srgbClr val="FFFFFF"/>
-                          </a:solidFill>
-                        </a:rPr>
-                        <a:t>특징</a:t>
-                      </a:r>
-                    </a:p>
-                  </a:txBody>
-                  <a:tcPr/>
-                </a:tc>
-                <a:extLst>
-                  <a:ext uri="{0D108BD9-81ED-4DB2-BD59-A6C34878D82A}">
-                    <a16:rowId xmlns:a16="http://schemas.microsoft.com/office/drawing/2014/main" val="10000"/>
-                  </a:ext>
-                </a:extLst>
-              </a:tr>
-              <a:tr h="283594">
-                <a:tc>
-                  <a:txBody>
-                    <a:bodyPr/>
-                    <a:lstStyle/>
-                    <a:p>
-                      <a:pPr marL="0" lvl="1" indent="0" latinLnBrk="1">
-                        <a:buFontTx/>
-                        <a:buNone/>
-                      </a:pPr>
-                      <a:r>
-                        <a:rPr lang="ko-KR" altLang="en-US" sz="1200" kern="1200" dirty="0">
-                          <a:solidFill>
-                            <a:srgbClr val="000000"/>
-                          </a:solidFill>
-                        </a:rPr>
-                        <a:t>무당과 비슷하지만 속가의 성격이 더 강한 </a:t>
-                      </a:r>
-                      <a:r>
-                        <a:rPr lang="ko-KR" altLang="en-US" sz="1200" kern="1200" dirty="0" err="1">
-                          <a:solidFill>
-                            <a:srgbClr val="000000"/>
-                          </a:solidFill>
-                        </a:rPr>
-                        <a:t>문파</a:t>
-                      </a:r>
-                      <a:r>
-                        <a:rPr lang="en-US" altLang="ko-KR" sz="1200" kern="1200" dirty="0">
-                          <a:solidFill>
-                            <a:srgbClr val="000000"/>
-                          </a:solidFill>
-                        </a:rPr>
-                        <a:t>.</a:t>
-                      </a:r>
-                    </a:p>
-                    <a:p>
-                      <a:pPr marL="0" marR="0" lvl="1" indent="0" algn="l" defTabSz="914400" rtl="0" eaLnBrk="1" fontAlgn="auto" latinLnBrk="1" hangingPunct="1">
-                        <a:lnSpc>
-                          <a:spcPct val="100000"/>
-                        </a:lnSpc>
-                        <a:spcBef>
-                          <a:spcPts val="0"/>
-                        </a:spcBef>
-                        <a:spcAft>
-                          <a:spcPts val="0"/>
-                        </a:spcAft>
-                        <a:buClrTx/>
-                        <a:buSzTx/>
-                        <a:buFontTx/>
-                        <a:buNone/>
-                        <a:tabLst/>
-                        <a:defRPr/>
-                      </a:pPr>
-                      <a:r>
-                        <a:rPr lang="ko-KR" altLang="en-US" sz="1200" kern="1200" dirty="0">
-                          <a:solidFill>
-                            <a:srgbClr val="000000"/>
-                          </a:solidFill>
-                        </a:rPr>
-                        <a:t>화산 특유의 화려한 검법이 유명하며 무당과 함께 정파내 전투력 </a:t>
-                      </a:r>
-                      <a:r>
-                        <a:rPr lang="en-US" altLang="ko-KR" sz="1200" kern="1200" dirty="0">
-                          <a:solidFill>
-                            <a:srgbClr val="000000"/>
-                          </a:solidFill>
-                        </a:rPr>
-                        <a:t>2</a:t>
-                      </a:r>
-                      <a:r>
-                        <a:rPr lang="ko-KR" altLang="en-US" sz="1200" kern="1200" dirty="0">
-                          <a:solidFill>
-                            <a:srgbClr val="000000"/>
-                          </a:solidFill>
-                        </a:rPr>
-                        <a:t>위로 평가된다</a:t>
-                      </a:r>
-                      <a:r>
-                        <a:rPr lang="en-US" altLang="ko-KR" sz="1200" kern="1200" dirty="0">
-                          <a:solidFill>
-                            <a:srgbClr val="000000"/>
-                          </a:solidFill>
-                        </a:rPr>
-                        <a:t>.</a:t>
-                      </a:r>
-                    </a:p>
-                  </a:txBody>
-                  <a:tcPr anchor="ctr"/>
-                </a:tc>
-                <a:extLst>
-                  <a:ext uri="{0D108BD9-81ED-4DB2-BD59-A6C34878D82A}">
-                    <a16:rowId xmlns:a16="http://schemas.microsoft.com/office/drawing/2014/main" val="10001"/>
-                  </a:ext>
-                </a:extLst>
-              </a:tr>
-            </a:tbl>
-          </a:graphicData>
-        </a:graphic>
-      </p:graphicFrame>
-      <p:graphicFrame>
-        <p:nvGraphicFramePr>
-          <p:cNvPr id="7" name="Table 3">
-            <a:extLst>
-              <a:ext uri="{FF2B5EF4-FFF2-40B4-BE49-F238E27FC236}">
-                <a16:creationId xmlns:a16="http://schemas.microsoft.com/office/drawing/2014/main" id="{A40F7DFB-C318-4E69-B205-7AE58F2EFB7E}"/>
-              </a:ext>
-            </a:extLst>
-          </p:cNvPr>
-          <p:cNvGraphicFramePr>
-            <a:graphicFrameLocks noGrp="1"/>
-          </p:cNvGraphicFramePr>
-          <p:nvPr>
-            <p:extLst>
-              <p:ext uri="{D42A27DB-BD31-4B8C-83A1-F6EECF244321}">
-                <p14:modId xmlns:p14="http://schemas.microsoft.com/office/powerpoint/2010/main" val="3080417113"/>
-              </p:ext>
-            </p:extLst>
-          </p:nvPr>
-        </p:nvGraphicFramePr>
-        <p:xfrm>
-          <a:off x="3640014" y="2437765"/>
-          <a:ext cx="8215435" cy="640080"/>
-        </p:xfrm>
-        <a:graphic>
-          <a:graphicData uri="http://schemas.openxmlformats.org/drawingml/2006/table">
-            <a:tbl>
-              <a:tblPr firstRow="1" bandRow="1">
-                <a:tableStyleId>{5C22544A-7EE6-4342-B048-85BDC9FD1C3A}</a:tableStyleId>
-              </a:tblPr>
-              <a:tblGrid>
-                <a:gridCol w="8215435">
-                  <a:extLst>
-                    <a:ext uri="{9D8B030D-6E8A-4147-A177-3AD203B41FA5}">
-                      <a16:colId xmlns:a16="http://schemas.microsoft.com/office/drawing/2014/main" val="20000"/>
-                    </a:ext>
-                  </a:extLst>
-                </a:gridCol>
-              </a:tblGrid>
-              <a:tr h="0">
-                <a:tc>
-                  <a:txBody>
-                    <a:bodyPr/>
-                    <a:lstStyle/>
-                    <a:p>
-                      <a:pPr marL="0" lvl="1" indent="0" latinLnBrk="0">
-                        <a:buFontTx/>
-                        <a:buNone/>
-                      </a:pPr>
-                      <a:r>
-                        <a:rPr lang="ko-KR" altLang="en-US" b="1" kern="1200" dirty="0">
-                          <a:solidFill>
-                            <a:srgbClr val="FFFFFF"/>
-                          </a:solidFill>
-                        </a:rPr>
-                        <a:t>역할</a:t>
-                      </a:r>
-                    </a:p>
-                  </a:txBody>
-                  <a:tcPr/>
-                </a:tc>
-                <a:extLst>
-                  <a:ext uri="{0D108BD9-81ED-4DB2-BD59-A6C34878D82A}">
-                    <a16:rowId xmlns:a16="http://schemas.microsoft.com/office/drawing/2014/main" val="10000"/>
-                  </a:ext>
-                </a:extLst>
-              </a:tr>
-              <a:tr h="163126">
-                <a:tc>
-                  <a:txBody>
-                    <a:bodyPr/>
-                    <a:lstStyle/>
-                    <a:p>
-                      <a:pPr marL="0" lvl="1" indent="0" latinLnBrk="1">
-                        <a:buFontTx/>
-                        <a:buNone/>
-                      </a:pPr>
-                      <a:r>
-                        <a:rPr lang="ko-KR" altLang="en-US" sz="1200" kern="1200" dirty="0">
-                          <a:solidFill>
-                            <a:srgbClr val="000000"/>
-                          </a:solidFill>
-                        </a:rPr>
-                        <a:t>개방을 통하여 토벌단에 임무를 전달하고 있다</a:t>
-                      </a:r>
-                      <a:r>
-                        <a:rPr lang="en-US" altLang="ko-KR" sz="1200" kern="1200" dirty="0">
-                          <a:solidFill>
-                            <a:srgbClr val="000000"/>
-                          </a:solidFill>
-                        </a:rPr>
-                        <a:t>.</a:t>
-                      </a:r>
-                    </a:p>
-                  </a:txBody>
-                  <a:tcPr anchor="ctr"/>
-                </a:tc>
-                <a:extLst>
-                  <a:ext uri="{0D108BD9-81ED-4DB2-BD59-A6C34878D82A}">
-                    <a16:rowId xmlns:a16="http://schemas.microsoft.com/office/drawing/2014/main" val="10001"/>
-                  </a:ext>
-                </a:extLst>
-              </a:tr>
-            </a:tbl>
-          </a:graphicData>
-        </a:graphic>
-      </p:graphicFrame>
-      <p:graphicFrame>
-        <p:nvGraphicFramePr>
           <p:cNvPr id="8" name="표 2">
             <a:extLst>
               <a:ext uri="{FF2B5EF4-FFF2-40B4-BE49-F238E27FC236}">
@@ -5201,6 +4928,92 @@
                 </a:extLst>
               </a:tr>
               <a:tr h="0">
+                <a:tc>
+                  <a:txBody>
+                    <a:bodyPr/>
+                    <a:lstStyle/>
+                    <a:p>
+                      <a:pPr latinLnBrk="1"/>
+                      <a:endParaRPr lang="ko-KR" altLang="en-US" sz="1200" kern="1200" dirty="0">
+                        <a:solidFill>
+                          <a:srgbClr val="000000"/>
+                        </a:solidFill>
+                      </a:endParaRPr>
+                    </a:p>
+                  </a:txBody>
+                  <a:tcPr/>
+                </a:tc>
+                <a:extLst>
+                  <a:ext uri="{0D108BD9-81ED-4DB2-BD59-A6C34878D82A}">
+                    <a16:rowId xmlns:a16="http://schemas.microsoft.com/office/drawing/2014/main" val="3464435250"/>
+                  </a:ext>
+                </a:extLst>
+              </a:tr>
+            </a:tbl>
+          </a:graphicData>
+        </a:graphic>
+      </p:graphicFrame>
+      <p:graphicFrame>
+        <p:nvGraphicFramePr>
+          <p:cNvPr id="13" name="표 2">
+            <a:extLst>
+              <a:ext uri="{FF2B5EF4-FFF2-40B4-BE49-F238E27FC236}">
+                <a16:creationId xmlns:a16="http://schemas.microsoft.com/office/drawing/2014/main" id="{EF9E6F9A-E775-449C-9107-9975E9EC6834}"/>
+              </a:ext>
+            </a:extLst>
+          </p:cNvPr>
+          <p:cNvGraphicFramePr>
+            <a:graphicFrameLocks noGrp="1"/>
+          </p:cNvGraphicFramePr>
+          <p:nvPr>
+            <p:extLst>
+              <p:ext uri="{D42A27DB-BD31-4B8C-83A1-F6EECF244321}">
+                <p14:modId xmlns:p14="http://schemas.microsoft.com/office/powerpoint/2010/main" val="178426485"/>
+              </p:ext>
+            </p:extLst>
+          </p:nvPr>
+        </p:nvGraphicFramePr>
+        <p:xfrm>
+          <a:off x="3576320" y="1420310"/>
+          <a:ext cx="8279130" cy="1958469"/>
+        </p:xfrm>
+        <a:graphic>
+          <a:graphicData uri="http://schemas.openxmlformats.org/drawingml/2006/table">
+            <a:tbl>
+              <a:tblPr firstRow="1" bandRow="1">
+                <a:tableStyleId>{5C22544A-7EE6-4342-B048-85BDC9FD1C3A}</a:tableStyleId>
+              </a:tblPr>
+              <a:tblGrid>
+                <a:gridCol w="8279130">
+                  <a:extLst>
+                    <a:ext uri="{9D8B030D-6E8A-4147-A177-3AD203B41FA5}">
+                      <a16:colId xmlns:a16="http://schemas.microsoft.com/office/drawing/2014/main" val="30228805"/>
+                    </a:ext>
+                  </a:extLst>
+                </a:gridCol>
+              </a:tblGrid>
+              <a:tr h="290795">
+                <a:tc>
+                  <a:txBody>
+                    <a:bodyPr/>
+                    <a:lstStyle/>
+                    <a:p>
+                      <a:pPr latinLnBrk="1"/>
+                      <a:r>
+                        <a:rPr lang="ko-KR" altLang="en-US" dirty="0"/>
+                        <a:t>배경</a:t>
+                      </a:r>
+                    </a:p>
+                  </a:txBody>
+                  <a:tcPr/>
+                </a:tc>
+                <a:extLst>
+                  <a:ext uri="{0D108BD9-81ED-4DB2-BD59-A6C34878D82A}">
+                    <a16:rowId xmlns:a16="http://schemas.microsoft.com/office/drawing/2014/main" val="2824934834"/>
+                  </a:ext>
+                </a:extLst>
+              </a:tr>
+              <a:tr h="1592709">
                 <a:tc>
                   <a:txBody>
                     <a:bodyPr/>
@@ -5321,13 +5134,13 @@
           <p:nvPr>
             <p:extLst>
               <p:ext uri="{D42A27DB-BD31-4B8C-83A1-F6EECF244321}">
-                <p14:modId xmlns:p14="http://schemas.microsoft.com/office/powerpoint/2010/main" val="2885147782"/>
+                <p14:modId xmlns:p14="http://schemas.microsoft.com/office/powerpoint/2010/main" val="2358830097"/>
               </p:ext>
             </p:extLst>
           </p:nvPr>
         </p:nvGraphicFramePr>
         <p:xfrm>
-          <a:off x="3681095" y="1397000"/>
+          <a:off x="3406775" y="4537075"/>
           <a:ext cx="8448675" cy="1778000"/>
         </p:xfrm>
         <a:graphic>
@@ -5363,13 +5176,18 @@
                         <a:buNone/>
                       </a:pPr>
                       <a:r>
-                        <a:rPr lang="ko-KR" altLang="en-US" b="1" kern="1200">
+                        <a:rPr lang="ko-KR" altLang="en-US" b="1" kern="1200" dirty="0" err="1">
                           <a:solidFill>
                             <a:srgbClr val="FFFFFF"/>
                           </a:solidFill>
                         </a:rPr>
                         <a:t>곤륜</a:t>
                       </a:r>
+                      <a:endParaRPr lang="ko-KR" altLang="en-US" b="1" kern="1200" dirty="0">
+                        <a:solidFill>
+                          <a:srgbClr val="FFFFFF"/>
+                        </a:solidFill>
+                      </a:endParaRPr>
                     </a:p>
                   </a:txBody>
                   <a:tcPr/>
@@ -5622,7 +5440,7 @@
                         <a:buNone/>
                       </a:pPr>
                       <a:r>
-                        <a:rPr lang="ko-KR" altLang="en-US" sz="1200" kern="1200">
+                        <a:rPr lang="ko-KR" altLang="en-US" sz="1200" kern="1200" dirty="0">
                           <a:solidFill>
                             <a:srgbClr val="000000"/>
                           </a:solidFill>
@@ -5630,7 +5448,7 @@
                         <a:t>정파와 우호적이며</a:t>
                       </a:r>
                       <a:r>
-                        <a:rPr lang="en-US" altLang="ko-KR" sz="1200" kern="1200">
+                        <a:rPr lang="en-US" altLang="ko-KR" sz="1200" kern="1200" dirty="0">
                           <a:solidFill>
                             <a:srgbClr val="000000"/>
                           </a:solidFill>
@@ -5638,22 +5456,38 @@
                         <a:t>, </a:t>
                       </a:r>
                       <a:r>
-                        <a:rPr lang="ko-KR" altLang="en-US" sz="1200" kern="1200">
-                          <a:solidFill>
-                            <a:srgbClr val="000000"/>
-                          </a:solidFill>
-                        </a:rPr>
-                        <a:t>하오문을 제외한 사파 세력들과 적대적이다</a:t>
-                      </a:r>
-                      <a:r>
-                        <a:rPr lang="en-US" altLang="ko-KR" sz="1200" kern="1200">
+                        <a:rPr lang="ko-KR" altLang="en-US" sz="1200" kern="1200" dirty="0">
+                          <a:solidFill>
+                            <a:srgbClr val="000000"/>
+                          </a:solidFill>
+                        </a:rPr>
+                        <a:t>하오문을 제외한 </a:t>
+                      </a:r>
+                      <a:r>
+                        <a:rPr lang="ko-KR" altLang="en-US" sz="1200" kern="1200" dirty="0" err="1">
+                          <a:solidFill>
+                            <a:srgbClr val="000000"/>
+                          </a:solidFill>
+                        </a:rPr>
+                        <a:t>사파</a:t>
+                      </a:r>
+                      <a:r>
+                        <a:rPr lang="ko-KR" altLang="en-US" sz="1200" kern="1200" dirty="0">
+                          <a:solidFill>
+                            <a:srgbClr val="000000"/>
+                          </a:solidFill>
+                        </a:rPr>
+                        <a:t> 세력들과 적대적이다</a:t>
+                      </a:r>
+                      <a:r>
+                        <a:rPr lang="en-US" altLang="ko-KR" sz="1200" kern="1200" dirty="0">
                           <a:solidFill>
                             <a:srgbClr val="000000"/>
                           </a:solidFill>
                         </a:rPr>
                         <a:t>.</a:t>
                       </a:r>
-                      <a:endParaRPr lang="ko-KR" altLang="en-US" sz="1200" kern="1200">
+                      <a:endParaRPr lang="ko-KR" altLang="en-US" sz="1200" kern="1200" dirty="0">
                         <a:solidFill>
                           <a:srgbClr val="000000"/>
                         </a:solidFill>
@@ -5707,6 +5541,92 @@
           </a:prstGeom>
         </p:spPr>
       </p:pic>
+      <p:graphicFrame>
+        <p:nvGraphicFramePr>
+          <p:cNvPr id="7" name="표 2">
+            <a:extLst>
+              <a:ext uri="{FF2B5EF4-FFF2-40B4-BE49-F238E27FC236}">
+                <a16:creationId xmlns:a16="http://schemas.microsoft.com/office/drawing/2014/main" id="{3C5001CB-87FF-4B22-B4D9-4B29189E05E2}"/>
+              </a:ext>
+            </a:extLst>
+          </p:cNvPr>
+          <p:cNvGraphicFramePr>
+            <a:graphicFrameLocks noGrp="1"/>
+          </p:cNvGraphicFramePr>
+          <p:nvPr>
+            <p:extLst>
+              <p:ext uri="{D42A27DB-BD31-4B8C-83A1-F6EECF244321}">
+                <p14:modId xmlns:p14="http://schemas.microsoft.com/office/powerpoint/2010/main" val="178426485"/>
+              </p:ext>
+            </p:extLst>
+          </p:nvPr>
+        </p:nvGraphicFramePr>
+        <p:xfrm>
+          <a:off x="3576320" y="1420310"/>
+          <a:ext cx="8279130" cy="1958469"/>
+        </p:xfrm>
+        <a:graphic>
+          <a:graphicData uri="http://schemas.openxmlformats.org/drawingml/2006/table">
+            <a:tbl>
+              <a:tblPr firstRow="1" bandRow="1">
+                <a:tableStyleId>{5C22544A-7EE6-4342-B048-85BDC9FD1C3A}</a:tableStyleId>
+              </a:tblPr>
+              <a:tblGrid>
+                <a:gridCol w="8279130">
+                  <a:extLst>
+                    <a:ext uri="{9D8B030D-6E8A-4147-A177-3AD203B41FA5}">
+                      <a16:colId xmlns:a16="http://schemas.microsoft.com/office/drawing/2014/main" val="30228805"/>
+                    </a:ext>
+                  </a:extLst>
+                </a:gridCol>
+              </a:tblGrid>
+              <a:tr h="290795">
+                <a:tc>
+                  <a:txBody>
+                    <a:bodyPr/>
+                    <a:lstStyle/>
+                    <a:p>
+                      <a:pPr latinLnBrk="1"/>
+                      <a:r>
+                        <a:rPr lang="ko-KR" altLang="en-US" dirty="0"/>
+                        <a:t>배경</a:t>
+                      </a:r>
+                    </a:p>
+                  </a:txBody>
+                  <a:tcPr/>
+                </a:tc>
+                <a:extLst>
+                  <a:ext uri="{0D108BD9-81ED-4DB2-BD59-A6C34878D82A}">
+                    <a16:rowId xmlns:a16="http://schemas.microsoft.com/office/drawing/2014/main" val="2824934834"/>
+                  </a:ext>
+                </a:extLst>
+              </a:tr>
+              <a:tr h="1592709">
+                <a:tc>
+                  <a:txBody>
+                    <a:bodyPr/>
+                    <a:lstStyle/>
+                    <a:p>
+                      <a:pPr latinLnBrk="1"/>
+                      <a:endParaRPr lang="ko-KR" altLang="en-US" sz="1200" kern="1200" dirty="0">
+                        <a:solidFill>
+                          <a:srgbClr val="000000"/>
+                        </a:solidFill>
+                      </a:endParaRPr>
+                    </a:p>
+                  </a:txBody>
+                  <a:tcPr/>
+                </a:tc>
+                <a:extLst>
+                  <a:ext uri="{0D108BD9-81ED-4DB2-BD59-A6C34878D82A}">
+                    <a16:rowId xmlns:a16="http://schemas.microsoft.com/office/drawing/2014/main" val="3464435250"/>
+                  </a:ext>
+                </a:extLst>
+              </a:tr>
+            </a:tbl>
+          </a:graphicData>
+        </a:graphic>
+      </p:graphicFrame>
     </p:spTree>
     <p:extLst>
       <p:ext uri="{BB962C8B-B14F-4D97-AF65-F5344CB8AC3E}">
@@ -9696,14 +9616,14 @@
           <p:nvPr>
             <p:extLst>
               <p:ext uri="{D42A27DB-BD31-4B8C-83A1-F6EECF244321}">
-                <p14:modId xmlns:p14="http://schemas.microsoft.com/office/powerpoint/2010/main" val="981159751"/>
+                <p14:modId xmlns:p14="http://schemas.microsoft.com/office/powerpoint/2010/main" val="4283037299"/>
               </p:ext>
             </p:extLst>
           </p:nvPr>
         </p:nvGraphicFramePr>
         <p:xfrm>
-          <a:off x="2109470" y="1431925"/>
-          <a:ext cx="7963535" cy="3277099"/>
+          <a:off x="335916" y="1431925"/>
+          <a:ext cx="11519534" cy="2720340"/>
         </p:xfrm>
         <a:graphic>
           <a:graphicData uri="http://schemas.openxmlformats.org/drawingml/2006/table">
@@ -9712,7 +9632,7 @@
                 <a:tableStyleId>{5C22544A-7EE6-4342-B048-85BDC9FD1C3A}</a:tableStyleId>
               </a:tblPr>
               <a:tblGrid>
-                <a:gridCol w="7963535">
+                <a:gridCol w="11519534">
                   <a:extLst>
                     <a:ext uri="{9D8B030D-6E8A-4147-A177-3AD203B41FA5}">
                       <a16:colId xmlns:a16="http://schemas.microsoft.com/office/drawing/2014/main" val="20000"/>
@@ -9720,7 +9640,7 @@
                   </a:extLst>
                 </a:gridCol>
               </a:tblGrid>
-              <a:tr h="296790">
+              <a:tr h="151860">
                 <a:tc>
                   <a:txBody>
                     <a:bodyPr/>
@@ -9767,7 +9687,7 @@
                   </a:ext>
                 </a:extLst>
               </a:tr>
-              <a:tr h="1694438">
+              <a:tr h="809541">
                 <a:tc>
                   <a:txBody>
                     <a:bodyPr/>
@@ -10103,7 +10023,7 @@
                   </a:ext>
                 </a:extLst>
               </a:tr>
-              <a:tr h="894579">
+              <a:tr h="402140">
                 <a:tc>
                   <a:txBody>
                     <a:bodyPr/>
@@ -11666,14 +11586,14 @@
           <p:nvPr>
             <p:extLst>
               <p:ext uri="{D42A27DB-BD31-4B8C-83A1-F6EECF244321}">
-                <p14:modId xmlns:p14="http://schemas.microsoft.com/office/powerpoint/2010/main" val="2266787804"/>
+                <p14:modId xmlns:p14="http://schemas.microsoft.com/office/powerpoint/2010/main" val="1042986594"/>
               </p:ext>
             </p:extLst>
           </p:nvPr>
         </p:nvGraphicFramePr>
         <p:xfrm>
-          <a:off x="340044" y="1431925"/>
-          <a:ext cx="11516994" cy="2834640"/>
+          <a:off x="3220085" y="1466586"/>
+          <a:ext cx="5751194" cy="2194560"/>
         </p:xfrm>
         <a:graphic>
           <a:graphicData uri="http://schemas.openxmlformats.org/drawingml/2006/table">
@@ -11682,7 +11602,7 @@
                 <a:tableStyleId>{5C22544A-7EE6-4342-B048-85BDC9FD1C3A}</a:tableStyleId>
               </a:tblPr>
               <a:tblGrid>
-                <a:gridCol w="11516994">
+                <a:gridCol w="5751194">
                   <a:extLst>
                     <a:ext uri="{9D8B030D-6E8A-4147-A177-3AD203B41FA5}">
                       <a16:colId xmlns:a16="http://schemas.microsoft.com/office/drawing/2014/main" val="233323347"/>
@@ -11690,7 +11610,7 @@
                   </a:extLst>
                 </a:gridCol>
               </a:tblGrid>
-              <a:tr h="143948">
+              <a:tr h="0">
                 <a:tc>
                   <a:txBody>
                     <a:bodyPr/>
@@ -11698,33 +11618,66 @@
                     <a:p>
                       <a:pPr latinLnBrk="1"/>
                       <a:r>
-                        <a:rPr lang="ko-KR" altLang="en-US" dirty="0"/>
-                        <a:t>무림</a:t>
-                      </a:r>
-                    </a:p>
-                  </a:txBody>
-                  <a:tcPr/>
-                </a:tc>
-                <a:extLst>
-                  <a:ext uri="{0D108BD9-81ED-4DB2-BD59-A6C34878D82A}">
-                    <a16:rowId xmlns:a16="http://schemas.microsoft.com/office/drawing/2014/main" val="2680589811"/>
-                  </a:ext>
-                </a:extLst>
-              </a:tr>
-              <a:tr h="136450">
-                <a:tc>
-                  <a:txBody>
-                    <a:bodyPr/>
-                    <a:lstStyle/>
-                    <a:p>
-                      <a:pPr latinLnBrk="1"/>
-                      <a:r>
-                        <a:rPr lang="ko-KR" altLang="en-US" sz="1400" dirty="0"/>
-                        <a:t>과거 전쟁</a:t>
-                      </a:r>
-                    </a:p>
-                  </a:txBody>
-                  <a:tcPr/>
+                        <a:rPr lang="ko-KR" altLang="en-US" sz="1400" b="1" dirty="0">
+                          <a:solidFill>
+                            <a:schemeClr val="tx1"/>
+                          </a:solidFill>
+                        </a:rPr>
+                        <a:t>무림 난</a:t>
+                      </a:r>
+                    </a:p>
+                  </a:txBody>
+                  <a:tcPr>
+                    <a:lnL w="12700" cap="flat" cmpd="sng" algn="ctr">
+                      <a:solidFill>
+                        <a:schemeClr val="tx1"/>
+                      </a:solidFill>
+                      <a:prstDash val="solid"/>
+                      <a:round/>
+                      <a:headEnd type="none" w="med" len="med"/>
+                      <a:tailEnd type="none" w="med" len="med"/>
+                    </a:lnL>
+                    <a:lnR w="12700" cap="flat" cmpd="sng" algn="ctr">
+                      <a:solidFill>
+                        <a:schemeClr val="tx1"/>
+                      </a:solidFill>
+                      <a:prstDash val="solid"/>
+                      <a:round/>
+                      <a:headEnd type="none" w="med" len="med"/>
+                      <a:tailEnd type="none" w="med" len="med"/>
+                    </a:lnR>
+                    <a:lnT w="12700" cap="flat" cmpd="sng" algn="ctr">
+                      <a:solidFill>
+                        <a:schemeClr val="tx1"/>
+                      </a:solidFill>
+                      <a:prstDash val="solid"/>
+                      <a:round/>
+                      <a:headEnd type="none" w="med" len="med"/>
+                      <a:tailEnd type="none" w="med" len="med"/>
+                    </a:lnT>
+                    <a:lnB w="12700" cap="flat" cmpd="sng" algn="ctr">
+                      <a:solidFill>
+                        <a:schemeClr val="tx1"/>
+                      </a:solidFill>
+                      <a:prstDash val="solid"/>
+                      <a:round/>
+                      <a:headEnd type="none" w="med" len="med"/>
+                      <a:tailEnd type="none" w="med" len="med"/>
+                    </a:lnB>
+                    <a:lnTlToBr w="12700" cmpd="sng">
+                      <a:noFill/>
+                      <a:prstDash val="solid"/>
+                    </a:lnTlToBr>
+                    <a:lnBlToTr w="12700" cmpd="sng">
+                      <a:noFill/>
+                      <a:prstDash val="solid"/>
+                    </a:lnBlToTr>
+                    <a:solidFill>
+                      <a:schemeClr val="bg1">
+                        <a:lumMod val="95000"/>
+                      </a:schemeClr>
+                    </a:solidFill>
+                  </a:tcPr>
                 </a:tc>
                 <a:extLst>
                   <a:ext uri="{0D108BD9-81ED-4DB2-BD59-A6C34878D82A}">
@@ -11732,7 +11685,7 @@
                   </a:ext>
                 </a:extLst>
               </a:tr>
-              <a:tr h="563796">
+              <a:tr h="0">
                 <a:tc>
                   <a:txBody>
                     <a:bodyPr/>
@@ -11740,218 +11693,109 @@
                     <a:p>
                       <a:pPr latinLnBrk="1"/>
                       <a:r>
-                        <a:rPr lang="ko-KR" altLang="en-US" sz="1100" dirty="0"/>
-                        <a:t>무림에 속해 있는 대부분의 사람들은 속세에서 동떨어져 끝없는 수련 속에서 자기 자신을 강하게 만들고 깨달음을 얻기 위해 평생을 받친다</a:t>
-                      </a:r>
-                      <a:r>
-                        <a:rPr lang="en-US" altLang="ko-KR" sz="1100" dirty="0"/>
+                        <a:rPr lang="ko-KR" altLang="en-US" sz="1100" b="0" dirty="0">
+                          <a:solidFill>
+                            <a:schemeClr val="tx1"/>
+                          </a:solidFill>
+                        </a:rPr>
+                        <a:t>약 </a:t>
+                      </a:r>
+                      <a:r>
+                        <a:rPr lang="en-US" altLang="ko-KR" sz="1100" b="0" dirty="0">
+                          <a:solidFill>
+                            <a:schemeClr val="tx1"/>
+                          </a:solidFill>
+                        </a:rPr>
+                        <a:t>50</a:t>
+                      </a:r>
+                      <a:r>
+                        <a:rPr lang="ko-KR" altLang="en-US" sz="1100" b="0" dirty="0">
+                          <a:solidFill>
+                            <a:schemeClr val="tx1"/>
+                          </a:solidFill>
+                        </a:rPr>
+                        <a:t>년 전 있었던 제국과 무림 연합 세력 간에 있었던 전쟁</a:t>
+                      </a:r>
+                      <a:r>
+                        <a:rPr lang="en-US" altLang="ko-KR" sz="1100" b="0" dirty="0">
+                          <a:solidFill>
+                            <a:schemeClr val="tx1"/>
+                          </a:solidFill>
+                        </a:rPr>
                         <a:t>.</a:t>
                       </a:r>
-                      <a:r>
-                        <a:rPr lang="ko-KR" altLang="en-US" sz="1100" dirty="0"/>
-                        <a:t> 이는 서로 대립하는 정파와 </a:t>
-                      </a:r>
-                      <a:r>
-                        <a:rPr lang="ko-KR" altLang="en-US" sz="1100" dirty="0" err="1"/>
-                        <a:t>사파</a:t>
-                      </a:r>
-                      <a:r>
-                        <a:rPr lang="ko-KR" altLang="en-US" sz="1100" dirty="0"/>
-                        <a:t> 모두의 공통 사항이었다</a:t>
-                      </a:r>
-                      <a:r>
-                        <a:rPr lang="en-US" altLang="ko-KR" sz="1100" dirty="0"/>
-                        <a:t>. </a:t>
-                      </a:r>
-                      <a:r>
-                        <a:rPr lang="ko-KR" altLang="en-US" sz="1100" dirty="0"/>
-                        <a:t>속세에 있는 사람들 또한 무림에서 살아가는 사람들이 속세에 개입하는 것을 싫어한다는 것을 알기에 무림과 속세에 사람들은 암묵적인 규칙을 정하여 서로 간의 교류를 최대한 줄이고 살아 갔고</a:t>
-                      </a:r>
-                      <a:r>
-                        <a:rPr lang="en-US" altLang="ko-KR" sz="1100"/>
-                        <a:t> </a:t>
-                      </a:r>
-                      <a:r>
-                        <a:rPr lang="ko-KR" altLang="en-US" sz="1100"/>
-                        <a:t>그들은 </a:t>
-                      </a:r>
-                      <a:r>
-                        <a:rPr lang="ko-KR" altLang="en-US" sz="1100" dirty="0"/>
-                        <a:t>대륙에서 가장 강대한 제국이 단 </a:t>
-                      </a:r>
-                      <a:r>
-                        <a:rPr lang="en-US" altLang="ko-KR" sz="1100" dirty="0"/>
-                        <a:t>1</a:t>
-                      </a:r>
-                      <a:r>
-                        <a:rPr lang="ko-KR" altLang="en-US" sz="1100" dirty="0"/>
-                        <a:t>명의 요괴에 손에 들어가는 순간까지 그 사실을 알지 못했다</a:t>
-                      </a:r>
-                      <a:r>
-                        <a:rPr lang="en-US" altLang="ko-KR" sz="1100" dirty="0"/>
-                        <a:t>. </a:t>
-                      </a:r>
-                      <a:r>
-                        <a:rPr lang="ko-KR" altLang="en-US" sz="1100" dirty="0"/>
-                        <a:t>그들이 사태를 파악했을 때는 이미 너무 늦은 때였다</a:t>
-                      </a:r>
-                      <a:r>
-                        <a:rPr lang="en-US" altLang="ko-KR" sz="1100" dirty="0"/>
-                        <a:t>. </a:t>
-                      </a:r>
-                      <a:r>
-                        <a:rPr lang="ko-KR" altLang="en-US" sz="1100" dirty="0"/>
-                        <a:t>제국은 이미 </a:t>
-                      </a:r>
-                      <a:r>
-                        <a:rPr lang="ko-KR" altLang="en-US" sz="1100" dirty="0" err="1"/>
-                        <a:t>대요괴의</a:t>
-                      </a:r>
-                      <a:r>
-                        <a:rPr lang="ko-KR" altLang="en-US" sz="1100" dirty="0"/>
-                        <a:t> 손안에서 놀아나고 있었고 더 이상 그들이 외면하지 못 할 정도로 사건은 커져 버렸다</a:t>
-                      </a:r>
-                      <a:r>
-                        <a:rPr lang="en-US" altLang="ko-KR" sz="1100" dirty="0"/>
-                        <a:t>. </a:t>
-                      </a:r>
                     </a:p>
                     <a:p>
                       <a:pPr latinLnBrk="1"/>
                       <a:r>
-                        <a:rPr lang="ko-KR" altLang="en-US" sz="1100" dirty="0"/>
-                        <a:t>서로 가는 길의 방향이 달랐을 뿐 목표는 같았기에 제국을 해방하기 위해 서로 연합하여 </a:t>
-                      </a:r>
-                      <a:r>
-                        <a:rPr lang="ko-KR" altLang="en-US" sz="1100" dirty="0" err="1"/>
-                        <a:t>대요괴에게</a:t>
-                      </a:r>
-                      <a:r>
-                        <a:rPr lang="ko-KR" altLang="en-US" sz="1100" dirty="0"/>
-                        <a:t> 도전했다</a:t>
-                      </a:r>
-                      <a:r>
-                        <a:rPr lang="en-US" altLang="ko-KR" sz="1100" dirty="0"/>
+                        <a:rPr lang="ko-KR" altLang="en-US" sz="1100" b="0" dirty="0">
+                          <a:solidFill>
+                            <a:schemeClr val="tx1"/>
+                          </a:solidFill>
+                        </a:rPr>
+                        <a:t>전쟁 끝에 무림 세력 대부분은 죽고 남은 세력들은 대부분 동쪽 나라로 도망쳤다</a:t>
+                      </a:r>
+                      <a:r>
+                        <a:rPr lang="en-US" altLang="ko-KR" sz="1100" b="0" dirty="0">
+                          <a:solidFill>
+                            <a:schemeClr val="tx1"/>
+                          </a:solidFill>
+                        </a:rPr>
                         <a:t>.</a:t>
                       </a:r>
                     </a:p>
-                    <a:p>
-                      <a:pPr latinLnBrk="1"/>
-                      <a:r>
-                        <a:rPr lang="ko-KR" altLang="en-US" sz="1100" dirty="0"/>
-                        <a:t>전쟁 속에서 정파에 </a:t>
-                      </a:r>
-                      <a:r>
-                        <a:rPr lang="ko-KR" altLang="en-US" sz="1100" dirty="0" err="1"/>
-                        <a:t>무림맹주와</a:t>
-                      </a:r>
-                      <a:r>
-                        <a:rPr lang="ko-KR" altLang="en-US" sz="1100" dirty="0"/>
-                        <a:t> </a:t>
-                      </a:r>
-                      <a:r>
-                        <a:rPr lang="ko-KR" altLang="en-US" sz="1100" dirty="0" err="1"/>
-                        <a:t>오대세가</a:t>
-                      </a:r>
-                      <a:r>
-                        <a:rPr lang="en-US" altLang="ko-KR" sz="1100" dirty="0"/>
-                        <a:t>,</a:t>
-                      </a:r>
-                      <a:r>
-                        <a:rPr lang="ko-KR" altLang="en-US" sz="1100" dirty="0"/>
-                        <a:t> </a:t>
-                      </a:r>
-                      <a:r>
-                        <a:rPr lang="ko-KR" altLang="en-US" sz="1100" dirty="0" err="1"/>
-                        <a:t>구방일방</a:t>
-                      </a:r>
-                      <a:r>
-                        <a:rPr lang="ko-KR" altLang="en-US" sz="1100" dirty="0"/>
-                        <a:t> 중 아미</a:t>
-                      </a:r>
-                      <a:r>
-                        <a:rPr lang="en-US" altLang="ko-KR" sz="1100" dirty="0"/>
-                        <a:t>, </a:t>
-                      </a:r>
-                      <a:r>
-                        <a:rPr lang="ko-KR" altLang="en-US" sz="1100" dirty="0"/>
-                        <a:t>공동</a:t>
-                      </a:r>
-                      <a:r>
-                        <a:rPr lang="en-US" altLang="ko-KR" sz="1100" dirty="0"/>
-                        <a:t>, </a:t>
-                      </a:r>
-                      <a:r>
-                        <a:rPr lang="ko-KR" altLang="en-US" sz="1100" dirty="0" err="1"/>
-                        <a:t>정창</a:t>
-                      </a:r>
-                      <a:r>
-                        <a:rPr lang="en-US" altLang="ko-KR" sz="1100" dirty="0"/>
-                        <a:t>, </a:t>
-                      </a:r>
-                      <a:r>
-                        <a:rPr lang="ko-KR" altLang="en-US" sz="1100" dirty="0" err="1"/>
-                        <a:t>청성</a:t>
-                      </a:r>
-                      <a:r>
-                        <a:rPr lang="en-US" altLang="ko-KR" sz="1100" dirty="0"/>
-                        <a:t>, </a:t>
-                      </a:r>
-                      <a:r>
-                        <a:rPr lang="ko-KR" altLang="en-US" sz="1100" dirty="0" err="1"/>
-                        <a:t>해남파</a:t>
-                      </a:r>
-                      <a:r>
-                        <a:rPr lang="ko-KR" altLang="en-US" sz="1100" dirty="0"/>
-                        <a:t> 대부분의 인원들이 살해 당했고 </a:t>
-                      </a:r>
-                      <a:r>
-                        <a:rPr lang="ko-KR" altLang="en-US" sz="1100" dirty="0" err="1"/>
-                        <a:t>사파에</a:t>
-                      </a:r>
-                      <a:r>
-                        <a:rPr lang="ko-KR" altLang="en-US" sz="1100" dirty="0"/>
-                        <a:t> 천마와 </a:t>
-                      </a:r>
-                      <a:r>
-                        <a:rPr lang="ko-KR" altLang="en-US" sz="1100" dirty="0" err="1"/>
-                        <a:t>마교</a:t>
-                      </a:r>
-                      <a:r>
-                        <a:rPr lang="ko-KR" altLang="en-US" sz="1100" dirty="0"/>
-                        <a:t> 대부분이 죽고 </a:t>
-                      </a:r>
-                      <a:r>
-                        <a:rPr lang="ko-KR" altLang="en-US" sz="1100" dirty="0" err="1"/>
-                        <a:t>혈마와</a:t>
-                      </a:r>
-                      <a:r>
-                        <a:rPr lang="ko-KR" altLang="en-US" sz="1100" dirty="0"/>
-                        <a:t> 철마 등 대마두들 중 대부분이 불구가 되었다</a:t>
-                      </a:r>
-                      <a:r>
-                        <a:rPr lang="en-US" altLang="ko-KR" sz="1100" dirty="0"/>
-                        <a:t>. </a:t>
-                      </a:r>
-                      <a:r>
-                        <a:rPr lang="ko-KR" altLang="en-US" sz="1100" dirty="0"/>
-                        <a:t>살아남은 일부 잔존세력들은 복수를 위해 동쪽 나라로 도망쳤고 </a:t>
-                      </a:r>
-                      <a:r>
-                        <a:rPr lang="ko-KR" altLang="en-US" sz="1100" dirty="0" err="1"/>
-                        <a:t>대요괴</a:t>
-                      </a:r>
-                      <a:r>
-                        <a:rPr lang="ko-KR" altLang="en-US" sz="1100" dirty="0"/>
-                        <a:t> 또한 피해가 적지 않았기에 그들을 놓아주었다</a:t>
-                      </a:r>
-                      <a:r>
-                        <a:rPr lang="en-US" altLang="ko-KR" sz="1100" dirty="0"/>
-                        <a:t>.</a:t>
-                      </a:r>
-                    </a:p>
-                  </a:txBody>
-                  <a:tcPr/>
+                  </a:txBody>
+                  <a:tcPr>
+                    <a:lnL w="12700" cap="flat" cmpd="sng" algn="ctr">
+                      <a:solidFill>
+                        <a:schemeClr val="tx1"/>
+                      </a:solidFill>
+                      <a:prstDash val="solid"/>
+                      <a:round/>
+                      <a:headEnd type="none" w="med" len="med"/>
+                      <a:tailEnd type="none" w="med" len="med"/>
+                    </a:lnL>
+                    <a:lnR w="12700" cap="flat" cmpd="sng" algn="ctr">
+                      <a:solidFill>
+                        <a:schemeClr val="tx1"/>
+                      </a:solidFill>
+                      <a:prstDash val="solid"/>
+                      <a:round/>
+                      <a:headEnd type="none" w="med" len="med"/>
+                      <a:tailEnd type="none" w="med" len="med"/>
+                    </a:lnR>
+                    <a:lnT w="12700" cap="flat" cmpd="sng" algn="ctr">
+                      <a:solidFill>
+                        <a:schemeClr val="tx1"/>
+                      </a:solidFill>
+                      <a:prstDash val="solid"/>
+                      <a:round/>
+                      <a:headEnd type="none" w="med" len="med"/>
+                      <a:tailEnd type="none" w="med" len="med"/>
+                    </a:lnT>
+                    <a:lnB w="12700" cap="flat" cmpd="sng" algn="ctr">
+                      <a:solidFill>
+                        <a:schemeClr val="tx1"/>
+                      </a:solidFill>
+                      <a:prstDash val="solid"/>
+                      <a:round/>
+                      <a:headEnd type="none" w="med" len="med"/>
+                      <a:tailEnd type="none" w="med" len="med"/>
+                    </a:lnB>
+                    <a:lnTlToBr w="12700" cmpd="sng">
+                      <a:noFill/>
+                      <a:prstDash val="solid"/>
+                    </a:lnTlToBr>
+                    <a:lnBlToTr w="12700" cmpd="sng">
+                      <a:noFill/>
+                      <a:prstDash val="solid"/>
+                    </a:lnBlToTr>
+                    <a:solidFill>
+                      <a:schemeClr val="bg1">
+                        <a:lumMod val="95000"/>
+                      </a:schemeClr>
+                    </a:solidFill>
+                  </a:tcPr>
                 </a:tc>
                 <a:extLst>
                   <a:ext uri="{0D108BD9-81ED-4DB2-BD59-A6C34878D82A}">
@@ -11959,7 +11803,7 @@
                   </a:ext>
                 </a:extLst>
               </a:tr>
-              <a:tr h="136450">
+              <a:tr h="0">
                 <a:tc>
                   <a:txBody>
                     <a:bodyPr/>
@@ -11967,12 +11811,66 @@
                     <a:p>
                       <a:pPr latinLnBrk="1"/>
                       <a:r>
-                        <a:rPr lang="ko-KR" altLang="en-US" sz="1400" dirty="0"/>
-                        <a:t>정파 전쟁</a:t>
-                      </a:r>
-                    </a:p>
-                  </a:txBody>
-                  <a:tcPr/>
+                        <a:rPr lang="ko-KR" altLang="en-US" sz="1400" b="1" dirty="0">
+                          <a:solidFill>
+                            <a:schemeClr val="tx1"/>
+                          </a:solidFill>
+                        </a:rPr>
+                        <a:t>정사 대전</a:t>
+                      </a:r>
+                    </a:p>
+                  </a:txBody>
+                  <a:tcPr>
+                    <a:lnL w="12700" cap="flat" cmpd="sng" algn="ctr">
+                      <a:solidFill>
+                        <a:schemeClr val="tx1"/>
+                      </a:solidFill>
+                      <a:prstDash val="solid"/>
+                      <a:round/>
+                      <a:headEnd type="none" w="med" len="med"/>
+                      <a:tailEnd type="none" w="med" len="med"/>
+                    </a:lnL>
+                    <a:lnR w="12700" cap="flat" cmpd="sng" algn="ctr">
+                      <a:solidFill>
+                        <a:schemeClr val="tx1"/>
+                      </a:solidFill>
+                      <a:prstDash val="solid"/>
+                      <a:round/>
+                      <a:headEnd type="none" w="med" len="med"/>
+                      <a:tailEnd type="none" w="med" len="med"/>
+                    </a:lnR>
+                    <a:lnT w="12700" cap="flat" cmpd="sng" algn="ctr">
+                      <a:solidFill>
+                        <a:schemeClr val="tx1"/>
+                      </a:solidFill>
+                      <a:prstDash val="solid"/>
+                      <a:round/>
+                      <a:headEnd type="none" w="med" len="med"/>
+                      <a:tailEnd type="none" w="med" len="med"/>
+                    </a:lnT>
+                    <a:lnB w="12700" cap="flat" cmpd="sng" algn="ctr">
+                      <a:solidFill>
+                        <a:schemeClr val="tx1"/>
+                      </a:solidFill>
+                      <a:prstDash val="solid"/>
+                      <a:round/>
+                      <a:headEnd type="none" w="med" len="med"/>
+                      <a:tailEnd type="none" w="med" len="med"/>
+                    </a:lnB>
+                    <a:lnTlToBr w="12700" cmpd="sng">
+                      <a:noFill/>
+                      <a:prstDash val="solid"/>
+                    </a:lnTlToBr>
+                    <a:lnBlToTr w="12700" cmpd="sng">
+                      <a:noFill/>
+                      <a:prstDash val="solid"/>
+                    </a:lnBlToTr>
+                    <a:solidFill>
+                      <a:schemeClr val="bg1">
+                        <a:lumMod val="95000"/>
+                      </a:schemeClr>
+                    </a:solidFill>
+                  </a:tcPr>
                 </a:tc>
                 <a:extLst>
                   <a:ext uri="{0D108BD9-81ED-4DB2-BD59-A6C34878D82A}">
@@ -11980,7 +11878,7 @@
                   </a:ext>
                 </a:extLst>
               </a:tr>
-              <a:tr h="233915">
+              <a:tr h="0">
                 <a:tc>
                   <a:txBody>
                     <a:bodyPr/>
@@ -11988,92 +11886,303 @@
                     <a:p>
                       <a:pPr latinLnBrk="1"/>
                       <a:r>
-                        <a:rPr lang="ko-KR" altLang="en-US" sz="1100" dirty="0"/>
-                        <a:t>과거 전쟁으로부터 약 </a:t>
-                      </a:r>
-                      <a:r>
-                        <a:rPr lang="en-US" altLang="ko-KR" sz="1100" dirty="0"/>
-                        <a:t>50</a:t>
-                      </a:r>
-                      <a:r>
-                        <a:rPr lang="ko-KR" altLang="en-US" sz="1100" dirty="0"/>
-                        <a:t>년이라는 세월이 흘렸고 동쪽으로 도망쳐와 정착에 성공한 세력들은 다시 </a:t>
-                      </a:r>
-                      <a:r>
-                        <a:rPr lang="ko-KR" altLang="en-US" sz="1100" dirty="0" err="1"/>
-                        <a:t>대요괴에게</a:t>
-                      </a:r>
-                      <a:r>
-                        <a:rPr lang="ko-KR" altLang="en-US" sz="1100" dirty="0"/>
-                        <a:t> 도전하기 위해서 힘을 모으며 준비를 하고 있었다</a:t>
-                      </a:r>
-                      <a:r>
-                        <a:rPr lang="en-US" altLang="ko-KR" sz="1100" dirty="0"/>
-                        <a:t>. </a:t>
-                      </a:r>
-                      <a:r>
-                        <a:rPr lang="ko-KR" altLang="en-US" sz="1100" dirty="0"/>
-                        <a:t>하지만 </a:t>
-                      </a:r>
-                      <a:r>
-                        <a:rPr lang="ko-KR" altLang="en-US" sz="1100" dirty="0" err="1"/>
-                        <a:t>대요괴</a:t>
-                      </a:r>
-                      <a:r>
-                        <a:rPr lang="ko-KR" altLang="en-US" sz="1100" dirty="0"/>
-                        <a:t> 또한 과거 전쟁에서 적지 않은 피해를 입었기에 이번에는 먼저 움직이기 시작했다</a:t>
-                      </a:r>
-                      <a:r>
-                        <a:rPr lang="en-US" altLang="ko-KR" sz="1100" dirty="0"/>
-                        <a:t>. </a:t>
-                      </a:r>
-                      <a:r>
-                        <a:rPr lang="ko-KR" altLang="en-US" sz="1100" dirty="0"/>
-                        <a:t>우선 무림에 각 세력들에게 자신의 분신들을 보내 정파와 </a:t>
-                      </a:r>
-                      <a:r>
-                        <a:rPr lang="ko-KR" altLang="en-US" sz="1100" dirty="0" err="1"/>
-                        <a:t>사파의</a:t>
-                      </a:r>
-                      <a:r>
-                        <a:rPr lang="ko-KR" altLang="en-US" sz="1100" dirty="0"/>
-                        <a:t> 관계를 틀어지게 만들었고 결국 정파와 </a:t>
-                      </a:r>
-                      <a:r>
-                        <a:rPr lang="ko-KR" altLang="en-US" sz="1100" dirty="0" err="1"/>
+                        <a:rPr lang="en-US" altLang="ko-KR" sz="1100" b="0" dirty="0">
+                          <a:solidFill>
+                            <a:schemeClr val="tx1"/>
+                          </a:solidFill>
+                        </a:rPr>
+                        <a:t>1</a:t>
+                      </a:r>
+                      <a:r>
+                        <a:rPr lang="ko-KR" altLang="en-US" sz="1100" b="0" dirty="0">
+                          <a:solidFill>
+                            <a:schemeClr val="tx1"/>
+                          </a:solidFill>
+                        </a:rPr>
+                        <a:t>년 전 동쪽 나라로 도망쳐온 무림에 정파 세력과 </a:t>
+                      </a:r>
+                      <a:r>
+                        <a:rPr lang="ko-KR" altLang="en-US" sz="1100" b="0" dirty="0" err="1">
+                          <a:solidFill>
+                            <a:schemeClr val="tx1"/>
+                          </a:solidFill>
+                        </a:rPr>
                         <a:t>사파</a:t>
                       </a:r>
                       <a:r>
-                        <a:rPr lang="ko-KR" altLang="en-US" sz="1100" dirty="0"/>
-                        <a:t> 간의 전쟁이 일어났다</a:t>
-                      </a:r>
-                      <a:r>
-                        <a:rPr lang="en-US" altLang="ko-KR" sz="1100" dirty="0"/>
-                        <a:t>. </a:t>
-                      </a:r>
-                      <a:r>
-                        <a:rPr lang="ko-KR" altLang="en-US" sz="1100" dirty="0"/>
-                        <a:t>결국 무림은 세력자체가 크게 수축되어 더 이상 </a:t>
-                      </a:r>
-                      <a:r>
-                        <a:rPr lang="ko-KR" altLang="en-US" sz="1100" dirty="0" err="1"/>
-                        <a:t>대요괴에게</a:t>
-                      </a:r>
-                      <a:r>
-                        <a:rPr lang="ko-KR" altLang="en-US" sz="1100" dirty="0"/>
-                        <a:t> 대적하기 어렵게 되었다</a:t>
-                      </a:r>
-                      <a:r>
-                        <a:rPr lang="en-US" altLang="ko-KR" sz="1100" dirty="0"/>
+                        <a:rPr lang="ko-KR" altLang="en-US" sz="1100" b="0" dirty="0">
+                          <a:solidFill>
+                            <a:schemeClr val="tx1"/>
+                          </a:solidFill>
+                        </a:rPr>
+                        <a:t> 세력 간에 있던 전쟁</a:t>
+                      </a:r>
+                      <a:r>
+                        <a:rPr lang="en-US" altLang="ko-KR" sz="1100" b="0" dirty="0">
+                          <a:solidFill>
+                            <a:schemeClr val="tx1"/>
+                          </a:solidFill>
+                        </a:rPr>
                         <a:t>.</a:t>
                       </a:r>
                     </a:p>
-                  </a:txBody>
-                  <a:tcPr/>
+                    <a:p>
+                      <a:pPr latinLnBrk="1"/>
+                      <a:r>
+                        <a:rPr lang="ko-KR" altLang="en-US" sz="1100" b="0" dirty="0">
+                          <a:solidFill>
+                            <a:schemeClr val="tx1"/>
+                          </a:solidFill>
+                        </a:rPr>
+                        <a:t>양쪽 세력 모두 큰 피해를 입고 세력이 축소 되었다</a:t>
+                      </a:r>
+                      <a:r>
+                        <a:rPr lang="en-US" altLang="ko-KR" sz="1100" b="0" dirty="0">
+                          <a:solidFill>
+                            <a:schemeClr val="tx1"/>
+                          </a:solidFill>
+                        </a:rPr>
+                        <a:t>.</a:t>
+                      </a:r>
+                    </a:p>
+                  </a:txBody>
+                  <a:tcPr>
+                    <a:lnL w="12700" cap="flat" cmpd="sng" algn="ctr">
+                      <a:solidFill>
+                        <a:schemeClr val="tx1"/>
+                      </a:solidFill>
+                      <a:prstDash val="solid"/>
+                      <a:round/>
+                      <a:headEnd type="none" w="med" len="med"/>
+                      <a:tailEnd type="none" w="med" len="med"/>
+                    </a:lnL>
+                    <a:lnR w="12700" cap="flat" cmpd="sng" algn="ctr">
+                      <a:solidFill>
+                        <a:schemeClr val="tx1"/>
+                      </a:solidFill>
+                      <a:prstDash val="solid"/>
+                      <a:round/>
+                      <a:headEnd type="none" w="med" len="med"/>
+                      <a:tailEnd type="none" w="med" len="med"/>
+                    </a:lnR>
+                    <a:lnT w="12700" cap="flat" cmpd="sng" algn="ctr">
+                      <a:solidFill>
+                        <a:schemeClr val="tx1"/>
+                      </a:solidFill>
+                      <a:prstDash val="solid"/>
+                      <a:round/>
+                      <a:headEnd type="none" w="med" len="med"/>
+                      <a:tailEnd type="none" w="med" len="med"/>
+                    </a:lnT>
+                    <a:lnB w="12700" cap="flat" cmpd="sng" algn="ctr">
+                      <a:solidFill>
+                        <a:schemeClr val="tx1"/>
+                      </a:solidFill>
+                      <a:prstDash val="solid"/>
+                      <a:round/>
+                      <a:headEnd type="none" w="med" len="med"/>
+                      <a:tailEnd type="none" w="med" len="med"/>
+                    </a:lnB>
+                    <a:lnTlToBr w="12700" cmpd="sng">
+                      <a:noFill/>
+                      <a:prstDash val="solid"/>
+                    </a:lnTlToBr>
+                    <a:lnBlToTr w="12700" cmpd="sng">
+                      <a:noFill/>
+                      <a:prstDash val="solid"/>
+                    </a:lnBlToTr>
+                    <a:solidFill>
+                      <a:schemeClr val="bg1">
+                        <a:lumMod val="95000"/>
+                      </a:schemeClr>
+                    </a:solidFill>
+                  </a:tcPr>
                 </a:tc>
                 <a:extLst>
                   <a:ext uri="{0D108BD9-81ED-4DB2-BD59-A6C34878D82A}">
                     <a16:rowId xmlns:a16="http://schemas.microsoft.com/office/drawing/2014/main" val="1462394195"/>
+                  </a:ext>
+                </a:extLst>
+              </a:tr>
+              <a:tr h="0">
+                <a:tc>
+                  <a:txBody>
+                    <a:bodyPr/>
+                    <a:lstStyle/>
+                    <a:p>
+                      <a:pPr latinLnBrk="1"/>
+                      <a:r>
+                        <a:rPr lang="ko-KR" altLang="en-US" sz="1400" b="1" dirty="0">
+                          <a:solidFill>
+                            <a:schemeClr val="tx1"/>
+                          </a:solidFill>
+                        </a:rPr>
+                        <a:t>대재앙</a:t>
+                      </a:r>
+                      <a:endParaRPr lang="en-US" altLang="ko-KR" sz="1400" b="1" dirty="0">
+                        <a:solidFill>
+                          <a:schemeClr val="tx1"/>
+                        </a:solidFill>
+                      </a:endParaRPr>
+                    </a:p>
+                  </a:txBody>
+                  <a:tcPr>
+                    <a:lnL w="12700" cap="flat" cmpd="sng" algn="ctr">
+                      <a:solidFill>
+                        <a:schemeClr val="tx1"/>
+                      </a:solidFill>
+                      <a:prstDash val="solid"/>
+                      <a:round/>
+                      <a:headEnd type="none" w="med" len="med"/>
+                      <a:tailEnd type="none" w="med" len="med"/>
+                    </a:lnL>
+                    <a:lnR w="12700" cap="flat" cmpd="sng" algn="ctr">
+                      <a:solidFill>
+                        <a:schemeClr val="tx1"/>
+                      </a:solidFill>
+                      <a:prstDash val="solid"/>
+                      <a:round/>
+                      <a:headEnd type="none" w="med" len="med"/>
+                      <a:tailEnd type="none" w="med" len="med"/>
+                    </a:lnR>
+                    <a:lnT w="12700" cap="flat" cmpd="sng" algn="ctr">
+                      <a:solidFill>
+                        <a:schemeClr val="tx1"/>
+                      </a:solidFill>
+                      <a:prstDash val="solid"/>
+                      <a:round/>
+                      <a:headEnd type="none" w="med" len="med"/>
+                      <a:tailEnd type="none" w="med" len="med"/>
+                    </a:lnT>
+                    <a:lnB w="12700" cap="flat" cmpd="sng" algn="ctr">
+                      <a:solidFill>
+                        <a:schemeClr val="tx1"/>
+                      </a:solidFill>
+                      <a:prstDash val="solid"/>
+                      <a:round/>
+                      <a:headEnd type="none" w="med" len="med"/>
+                      <a:tailEnd type="none" w="med" len="med"/>
+                    </a:lnB>
+                    <a:lnTlToBr w="12700" cmpd="sng">
+                      <a:noFill/>
+                      <a:prstDash val="solid"/>
+                    </a:lnTlToBr>
+                    <a:lnBlToTr w="12700" cmpd="sng">
+                      <a:noFill/>
+                      <a:prstDash val="solid"/>
+                    </a:lnBlToTr>
+                    <a:solidFill>
+                      <a:schemeClr val="bg1">
+                        <a:lumMod val="95000"/>
+                      </a:schemeClr>
+                    </a:solidFill>
+                  </a:tcPr>
+                </a:tc>
+                <a:extLst>
+                  <a:ext uri="{0D108BD9-81ED-4DB2-BD59-A6C34878D82A}">
+                    <a16:rowId xmlns:a16="http://schemas.microsoft.com/office/drawing/2014/main" val="3942245184"/>
+                  </a:ext>
+                </a:extLst>
+              </a:tr>
+              <a:tr h="0">
+                <a:tc>
+                  <a:txBody>
+                    <a:bodyPr/>
+                    <a:lstStyle/>
+                    <a:p>
+                      <a:pPr latinLnBrk="1"/>
+                      <a:r>
+                        <a:rPr lang="ko-KR" altLang="en-US" sz="1100" b="0" dirty="0">
+                          <a:solidFill>
+                            <a:schemeClr val="tx1"/>
+                          </a:solidFill>
+                        </a:rPr>
+                        <a:t>정사 대전이 끝나갈 무렵 일어난 사건</a:t>
+                      </a:r>
+                      <a:r>
+                        <a:rPr lang="en-US" altLang="ko-KR" sz="1100" b="0" dirty="0">
+                          <a:solidFill>
+                            <a:schemeClr val="tx1"/>
+                          </a:solidFill>
+                        </a:rPr>
+                        <a:t>.</a:t>
+                      </a:r>
+                    </a:p>
+                    <a:p>
+                      <a:pPr latinLnBrk="1"/>
+                      <a:r>
+                        <a:rPr lang="ko-KR" altLang="en-US" sz="1100" b="0" dirty="0">
+                          <a:solidFill>
+                            <a:schemeClr val="tx1"/>
+                          </a:solidFill>
+                        </a:rPr>
+                        <a:t>괴물들이 전국 각지에서 나타나 나라 전체가 쑥대 밭이 되었다</a:t>
+                      </a:r>
+                      <a:r>
+                        <a:rPr lang="en-US" altLang="ko-KR" sz="1100" b="0" dirty="0">
+                          <a:solidFill>
+                            <a:schemeClr val="tx1"/>
+                          </a:solidFill>
+                        </a:rPr>
+                        <a:t>.</a:t>
+                      </a:r>
+                    </a:p>
+                  </a:txBody>
+                  <a:tcPr>
+                    <a:lnL w="12700" cap="flat" cmpd="sng" algn="ctr">
+                      <a:solidFill>
+                        <a:schemeClr val="tx1"/>
+                      </a:solidFill>
+                      <a:prstDash val="solid"/>
+                      <a:round/>
+                      <a:headEnd type="none" w="med" len="med"/>
+                      <a:tailEnd type="none" w="med" len="med"/>
+                    </a:lnL>
+                    <a:lnR w="12700" cap="flat" cmpd="sng" algn="ctr">
+                      <a:solidFill>
+                        <a:schemeClr val="tx1"/>
+                      </a:solidFill>
+                      <a:prstDash val="solid"/>
+                      <a:round/>
+                      <a:headEnd type="none" w="med" len="med"/>
+                      <a:tailEnd type="none" w="med" len="med"/>
+                    </a:lnR>
+                    <a:lnT w="12700" cap="flat" cmpd="sng" algn="ctr">
+                      <a:solidFill>
+                        <a:schemeClr val="tx1"/>
+                      </a:solidFill>
+                      <a:prstDash val="solid"/>
+                      <a:round/>
+                      <a:headEnd type="none" w="med" len="med"/>
+                      <a:tailEnd type="none" w="med" len="med"/>
+                    </a:lnT>
+                    <a:lnB w="12700" cap="flat" cmpd="sng" algn="ctr">
+                      <a:solidFill>
+                        <a:schemeClr val="tx1"/>
+                      </a:solidFill>
+                      <a:prstDash val="solid"/>
+                      <a:round/>
+                      <a:headEnd type="none" w="med" len="med"/>
+                      <a:tailEnd type="none" w="med" len="med"/>
+                    </a:lnB>
+                    <a:lnTlToBr w="12700" cmpd="sng">
+                      <a:noFill/>
+                      <a:prstDash val="solid"/>
+                    </a:lnTlToBr>
+                    <a:lnBlToTr w="12700" cmpd="sng">
+                      <a:noFill/>
+                      <a:prstDash val="solid"/>
+                    </a:lnBlToTr>
+                    <a:solidFill>
+                      <a:schemeClr val="bg1">
+                        <a:lumMod val="95000"/>
+                      </a:schemeClr>
+                    </a:solidFill>
+                  </a:tcPr>
+                </a:tc>
+                <a:extLst>
+                  <a:ext uri="{0D108BD9-81ED-4DB2-BD59-A6C34878D82A}">
+                    <a16:rowId xmlns:a16="http://schemas.microsoft.com/office/drawing/2014/main" val="1422146540"/>
                   </a:ext>
                 </a:extLst>
               </a:tr>
@@ -12161,173 +12270,6 @@
           </a:p>
         </p:txBody>
       </p:sp>
-      <p:graphicFrame>
-        <p:nvGraphicFramePr>
-          <p:cNvPr id="5" name="Table 3">
-            <a:extLst>
-              <a:ext uri="{FF2B5EF4-FFF2-40B4-BE49-F238E27FC236}">
-                <a16:creationId xmlns:a16="http://schemas.microsoft.com/office/drawing/2014/main" id="{FF22782B-6D88-4067-9003-0D6AD882AA76}"/>
-              </a:ext>
-            </a:extLst>
-          </p:cNvPr>
-          <p:cNvGraphicFramePr>
-            <a:graphicFrameLocks noGrp="1"/>
-          </p:cNvGraphicFramePr>
-          <p:nvPr>
-            <p:extLst>
-              <p:ext uri="{D42A27DB-BD31-4B8C-83A1-F6EECF244321}">
-                <p14:modId xmlns:p14="http://schemas.microsoft.com/office/powerpoint/2010/main" val="2642648103"/>
-              </p:ext>
-            </p:extLst>
-          </p:nvPr>
-        </p:nvGraphicFramePr>
-        <p:xfrm>
-          <a:off x="3640014" y="1431925"/>
-          <a:ext cx="8215435" cy="1005840"/>
-        </p:xfrm>
-        <a:graphic>
-          <a:graphicData uri="http://schemas.openxmlformats.org/drawingml/2006/table">
-            <a:tbl>
-              <a:tblPr firstRow="1" bandRow="1">
-                <a:tableStyleId>{5C22544A-7EE6-4342-B048-85BDC9FD1C3A}</a:tableStyleId>
-              </a:tblPr>
-              <a:tblGrid>
-                <a:gridCol w="8215435">
-                  <a:extLst>
-                    <a:ext uri="{9D8B030D-6E8A-4147-A177-3AD203B41FA5}">
-                      <a16:colId xmlns:a16="http://schemas.microsoft.com/office/drawing/2014/main" val="20000"/>
-                    </a:ext>
-                  </a:extLst>
-                </a:gridCol>
-              </a:tblGrid>
-              <a:tr h="0">
-                <a:tc>
-                  <a:txBody>
-                    <a:bodyPr/>
-                    <a:lstStyle/>
-                    <a:p>
-                      <a:pPr marL="0" lvl="1" indent="0" latinLnBrk="0">
-                        <a:buFontTx/>
-                        <a:buNone/>
-                      </a:pPr>
-                      <a:r>
-                        <a:rPr lang="ko-KR" altLang="en-US" b="1" kern="1200" dirty="0">
-                          <a:solidFill>
-                            <a:srgbClr val="FFFFFF"/>
-                          </a:solidFill>
-                        </a:rPr>
-                        <a:t>특징</a:t>
-                      </a:r>
-                    </a:p>
-                  </a:txBody>
-                  <a:tcPr/>
-                </a:tc>
-                <a:extLst>
-                  <a:ext uri="{0D108BD9-81ED-4DB2-BD59-A6C34878D82A}">
-                    <a16:rowId xmlns:a16="http://schemas.microsoft.com/office/drawing/2014/main" val="10000"/>
-                  </a:ext>
-                </a:extLst>
-              </a:tr>
-              <a:tr h="283594">
-                <a:tc>
-                  <a:txBody>
-                    <a:bodyPr/>
-                    <a:lstStyle/>
-                    <a:p>
-                      <a:pPr marL="0" lvl="1" indent="0" latinLnBrk="1">
-                        <a:buFontTx/>
-                        <a:buNone/>
-                      </a:pPr>
-                      <a:r>
-                        <a:rPr lang="ko-KR" altLang="en-US" sz="1200" kern="1200" dirty="0">
-                          <a:solidFill>
-                            <a:srgbClr val="000000"/>
-                          </a:solidFill>
-                        </a:rPr>
-                        <a:t>전국각지에 어디에나 있는 거지들의 단체</a:t>
-                      </a:r>
-                      <a:r>
-                        <a:rPr lang="en-US" altLang="ko-KR" sz="1200" kern="1200" dirty="0">
-                          <a:solidFill>
-                            <a:srgbClr val="000000"/>
-                          </a:solidFill>
-                        </a:rPr>
-                        <a:t>.</a:t>
-                      </a:r>
-                    </a:p>
-                    <a:p>
-                      <a:pPr marL="0" lvl="1" indent="0" latinLnBrk="1">
-                        <a:buFontTx/>
-                        <a:buNone/>
-                      </a:pPr>
-                      <a:r>
-                        <a:rPr lang="ko-KR" altLang="en-US" sz="1200" kern="1200" dirty="0">
-                          <a:solidFill>
-                            <a:srgbClr val="000000"/>
-                          </a:solidFill>
-                        </a:rPr>
-                        <a:t>무림 내에서 가장 많은 숫자와 광범위한 활동 범위를 가지고 다양한 정보를 수집하고 전달하는 역할을 가지고 있다</a:t>
-                      </a:r>
-                      <a:r>
-                        <a:rPr lang="en-US" altLang="ko-KR" sz="1200" kern="1200" dirty="0">
-                          <a:solidFill>
-                            <a:srgbClr val="000000"/>
-                          </a:solidFill>
-                        </a:rPr>
-                        <a:t>. </a:t>
-                      </a:r>
-                    </a:p>
-                    <a:p>
-                      <a:pPr marL="0" lvl="1" indent="0" latinLnBrk="1">
-                        <a:buFontTx/>
-                        <a:buNone/>
-                      </a:pPr>
-                      <a:r>
-                        <a:rPr lang="ko-KR" altLang="en-US" sz="1200" kern="1200" dirty="0">
-                          <a:solidFill>
-                            <a:srgbClr val="000000"/>
-                          </a:solidFill>
-                        </a:rPr>
-                        <a:t>다만 </a:t>
-                      </a:r>
-                      <a:r>
-                        <a:rPr lang="ko-KR" altLang="en-US" sz="1200" kern="1200" dirty="0" err="1">
-                          <a:solidFill>
-                            <a:srgbClr val="000000"/>
-                          </a:solidFill>
-                        </a:rPr>
-                        <a:t>분타주급</a:t>
-                      </a:r>
-                      <a:r>
-                        <a:rPr lang="ko-KR" altLang="en-US" sz="1200" kern="1200" dirty="0">
-                          <a:solidFill>
-                            <a:srgbClr val="000000"/>
-                          </a:solidFill>
-                        </a:rPr>
-                        <a:t> 이상의 몇몇 인원을 제외하면 실질적인 전투력은 별로 높지 않은 편이다</a:t>
-                      </a:r>
-                      <a:r>
-                        <a:rPr lang="en-US" altLang="ko-KR" sz="1200" kern="1200" dirty="0">
-                          <a:solidFill>
-                            <a:srgbClr val="000000"/>
-                          </a:solidFill>
-                        </a:rPr>
-                        <a:t>.</a:t>
-                      </a:r>
-                    </a:p>
-                  </a:txBody>
-                  <a:tcPr anchor="ctr"/>
-                </a:tc>
-                <a:extLst>
-                  <a:ext uri="{0D108BD9-81ED-4DB2-BD59-A6C34878D82A}">
-                    <a16:rowId xmlns:a16="http://schemas.microsoft.com/office/drawing/2014/main" val="10001"/>
-                  </a:ext>
-                </a:extLst>
-              </a:tr>
-            </a:tbl>
-          </a:graphicData>
-        </a:graphic>
-      </p:graphicFrame>
       <p:pic>
         <p:nvPicPr>
           <p:cNvPr id="6" name="그림 5">
@@ -12366,129 +12308,6 @@
       </p:pic>
       <p:graphicFrame>
         <p:nvGraphicFramePr>
-          <p:cNvPr id="7" name="Table 3">
-            <a:extLst>
-              <a:ext uri="{FF2B5EF4-FFF2-40B4-BE49-F238E27FC236}">
-                <a16:creationId xmlns:a16="http://schemas.microsoft.com/office/drawing/2014/main" id="{E6603450-F6C5-4953-B90C-9D260366C9C8}"/>
-              </a:ext>
-            </a:extLst>
-          </p:cNvPr>
-          <p:cNvGraphicFramePr>
-            <a:graphicFrameLocks noGrp="1"/>
-          </p:cNvGraphicFramePr>
-          <p:nvPr>
-            <p:extLst>
-              <p:ext uri="{D42A27DB-BD31-4B8C-83A1-F6EECF244321}">
-                <p14:modId xmlns:p14="http://schemas.microsoft.com/office/powerpoint/2010/main" val="41196267"/>
-              </p:ext>
-            </p:extLst>
-          </p:nvPr>
-        </p:nvGraphicFramePr>
-        <p:xfrm>
-          <a:off x="3640014" y="2437765"/>
-          <a:ext cx="8215435" cy="822960"/>
-        </p:xfrm>
-        <a:graphic>
-          <a:graphicData uri="http://schemas.openxmlformats.org/drawingml/2006/table">
-            <a:tbl>
-              <a:tblPr firstRow="1" bandRow="1">
-                <a:tableStyleId>{5C22544A-7EE6-4342-B048-85BDC9FD1C3A}</a:tableStyleId>
-              </a:tblPr>
-              <a:tblGrid>
-                <a:gridCol w="8215435">
-                  <a:extLst>
-                    <a:ext uri="{9D8B030D-6E8A-4147-A177-3AD203B41FA5}">
-                      <a16:colId xmlns:a16="http://schemas.microsoft.com/office/drawing/2014/main" val="20000"/>
-                    </a:ext>
-                  </a:extLst>
-                </a:gridCol>
-              </a:tblGrid>
-              <a:tr h="0">
-                <a:tc>
-                  <a:txBody>
-                    <a:bodyPr/>
-                    <a:lstStyle/>
-                    <a:p>
-                      <a:pPr marL="0" lvl="1" indent="0" latinLnBrk="0">
-                        <a:buFontTx/>
-                        <a:buNone/>
-                      </a:pPr>
-                      <a:r>
-                        <a:rPr lang="ko-KR" altLang="en-US" b="1" kern="1200" dirty="0">
-                          <a:solidFill>
-                            <a:srgbClr val="FFFFFF"/>
-                          </a:solidFill>
-                        </a:rPr>
-                        <a:t>역할</a:t>
-                      </a:r>
-                    </a:p>
-                  </a:txBody>
-                  <a:tcPr/>
-                </a:tc>
-                <a:extLst>
-                  <a:ext uri="{0D108BD9-81ED-4DB2-BD59-A6C34878D82A}">
-                    <a16:rowId xmlns:a16="http://schemas.microsoft.com/office/drawing/2014/main" val="10000"/>
-                  </a:ext>
-                </a:extLst>
-              </a:tr>
-              <a:tr h="163126">
-                <a:tc>
-                  <a:txBody>
-                    <a:bodyPr/>
-                    <a:lstStyle/>
-                    <a:p>
-                      <a:pPr marL="0" lvl="1" indent="0" latinLnBrk="1">
-                        <a:buFontTx/>
-                        <a:buNone/>
-                      </a:pPr>
-                      <a:r>
-                        <a:rPr lang="ko-KR" altLang="en-US" sz="1200" kern="1200" dirty="0">
-                          <a:solidFill>
-                            <a:srgbClr val="000000"/>
-                          </a:solidFill>
-                        </a:rPr>
-                        <a:t>게임 내에서 토벌단에 전달되는 정파 관련 임무는 대부분 개방에서 전달하고 있으며 다양한 정보</a:t>
-                      </a:r>
-                      <a:r>
-                        <a:rPr lang="en-US" altLang="ko-KR" sz="1200" kern="1200" dirty="0">
-                          <a:solidFill>
-                            <a:srgbClr val="000000"/>
-                          </a:solidFill>
-                        </a:rPr>
-                        <a:t>, </a:t>
-                      </a:r>
-                      <a:r>
-                        <a:rPr lang="ko-KR" altLang="en-US" sz="1200" kern="1200" dirty="0">
-                          <a:solidFill>
-                            <a:srgbClr val="000000"/>
-                          </a:solidFill>
-                        </a:rPr>
-                        <a:t>특히 사람이나 물건을 찾는 분야에서는 따라올 자가 없다</a:t>
-                      </a:r>
-                      <a:r>
-                        <a:rPr lang="en-US" altLang="ko-KR" sz="1200" kern="1200" dirty="0">
-                          <a:solidFill>
-                            <a:srgbClr val="000000"/>
-                          </a:solidFill>
-                        </a:rPr>
-                        <a:t>.</a:t>
-                      </a:r>
-                    </a:p>
-                  </a:txBody>
-                  <a:tcPr anchor="ctr"/>
-                </a:tc>
-                <a:extLst>
-                  <a:ext uri="{0D108BD9-81ED-4DB2-BD59-A6C34878D82A}">
-                    <a16:rowId xmlns:a16="http://schemas.microsoft.com/office/drawing/2014/main" val="10001"/>
-                  </a:ext>
-                </a:extLst>
-              </a:tr>
-            </a:tbl>
-          </a:graphicData>
-        </a:graphic>
-      </p:graphicFrame>
-      <p:graphicFrame>
-        <p:nvGraphicFramePr>
           <p:cNvPr id="9" name="표 2">
             <a:extLst>
               <a:ext uri="{FF2B5EF4-FFF2-40B4-BE49-F238E27FC236}">
@@ -12502,14 +12321,14 @@
           <p:nvPr>
             <p:extLst>
               <p:ext uri="{D42A27DB-BD31-4B8C-83A1-F6EECF244321}">
-                <p14:modId xmlns:p14="http://schemas.microsoft.com/office/powerpoint/2010/main" val="2713356525"/>
+                <p14:modId xmlns:p14="http://schemas.microsoft.com/office/powerpoint/2010/main" val="1743686728"/>
               </p:ext>
             </p:extLst>
           </p:nvPr>
         </p:nvGraphicFramePr>
         <p:xfrm>
-          <a:off x="6091239" y="3389926"/>
-          <a:ext cx="5755324" cy="640080"/>
+          <a:off x="3576320" y="1420310"/>
+          <a:ext cx="8279130" cy="1958469"/>
         </p:xfrm>
         <a:graphic>
           <a:graphicData uri="http://schemas.openxmlformats.org/drawingml/2006/table">
@@ -12518,7 +12337,7 @@
                 <a:tableStyleId>{5C22544A-7EE6-4342-B048-85BDC9FD1C3A}</a:tableStyleId>
               </a:tblPr>
               <a:tblGrid>
-                <a:gridCol w="5755324">
+                <a:gridCol w="8279130">
                   <a:extLst>
                     <a:ext uri="{9D8B030D-6E8A-4147-A177-3AD203B41FA5}">
                       <a16:colId xmlns:a16="http://schemas.microsoft.com/office/drawing/2014/main" val="30228805"/>
@@ -12526,7 +12345,7 @@
                   </a:extLst>
                 </a:gridCol>
               </a:tblGrid>
-              <a:tr h="0">
+              <a:tr h="290795">
                 <a:tc>
                   <a:txBody>
                     <a:bodyPr/>
@@ -12547,7 +12366,7 @@
                   </a:ext>
                 </a:extLst>
               </a:tr>
-              <a:tr h="0">
+              <a:tr h="1592709">
                 <a:tc>
                   <a:txBody>
                     <a:bodyPr/>
@@ -12588,14 +12407,14 @@
           <p:nvPr>
             <p:extLst>
               <p:ext uri="{D42A27DB-BD31-4B8C-83A1-F6EECF244321}">
-                <p14:modId xmlns:p14="http://schemas.microsoft.com/office/powerpoint/2010/main" val="1134249113"/>
+                <p14:modId xmlns:p14="http://schemas.microsoft.com/office/powerpoint/2010/main" val="2748278519"/>
               </p:ext>
             </p:extLst>
           </p:nvPr>
         </p:nvGraphicFramePr>
         <p:xfrm>
-          <a:off x="327025" y="3389926"/>
-          <a:ext cx="5755324" cy="2377440"/>
+          <a:off x="327025" y="3429000"/>
+          <a:ext cx="11519534" cy="1645920"/>
         </p:xfrm>
         <a:graphic>
           <a:graphicData uri="http://schemas.openxmlformats.org/drawingml/2006/table">
@@ -12604,14 +12423,14 @@
                 <a:tableStyleId>{5C22544A-7EE6-4342-B048-85BDC9FD1C3A}</a:tableStyleId>
               </a:tblPr>
               <a:tblGrid>
-                <a:gridCol w="525829">
+                <a:gridCol w="1052470">
                   <a:extLst>
                     <a:ext uri="{9D8B030D-6E8A-4147-A177-3AD203B41FA5}">
                       <a16:colId xmlns:a16="http://schemas.microsoft.com/office/drawing/2014/main" val="30228805"/>
                     </a:ext>
                   </a:extLst>
                 </a:gridCol>
-                <a:gridCol w="5229495">
+                <a:gridCol w="10467064">
                   <a:extLst>
                     <a:ext uri="{9D8B030D-6E8A-4147-A177-3AD203B41FA5}">
                       <a16:colId xmlns:a16="http://schemas.microsoft.com/office/drawing/2014/main" val="2992114612"/>
@@ -12694,7 +12513,7 @@
                       </a:r>
                       <a:r>
                         <a:rPr lang="ko-KR" altLang="en-US" sz="1200" dirty="0"/>
-                        <a:t>권법을 사용하여 근거리 전투가 특징이다</a:t>
+                        <a:t>권법을 사용하여 근거리 전투가 특기</a:t>
                       </a:r>
                       <a:r>
                         <a:rPr lang="en-US" altLang="ko-KR" sz="1200" dirty="0"/>
@@ -12705,15 +12524,23 @@
                       <a:pPr latinLnBrk="1"/>
                       <a:r>
                         <a:rPr lang="ko-KR" altLang="en-US" sz="1200" dirty="0"/>
-                        <a:t>특유의 높은 </a:t>
+                        <a:t>높은 </a:t>
                       </a:r>
                       <a:r>
                         <a:rPr lang="ko-KR" altLang="en-US" sz="1200" dirty="0" err="1"/>
-                        <a:t>회피력을</a:t>
+                        <a:t>회피률을</a:t>
                       </a:r>
                       <a:r>
                         <a:rPr lang="ko-KR" altLang="en-US" sz="1200" dirty="0"/>
-                        <a:t> 통해 공격을 피하고 근거리에서 지속적인 공격을 하는 전투 방식을 가진다</a:t>
+                        <a:t> 중심으로 공격을 피하고 근거리에서 지속적인 공격을 하는</a:t>
+                      </a:r>
+                      <a:r>
+                        <a:rPr lang="en-US" altLang="ko-KR" sz="1200" dirty="0"/>
+                        <a:t> </a:t>
+                      </a:r>
+                      <a:r>
+                        <a:rPr lang="ko-KR" altLang="en-US" sz="1200" dirty="0"/>
+                        <a:t>회피형 탱커 계열</a:t>
                       </a:r>
                       <a:r>
                         <a:rPr lang="en-US" altLang="ko-KR" sz="1200" dirty="0"/>
@@ -13128,336 +12955,6 @@
       </p:pic>
       <p:graphicFrame>
         <p:nvGraphicFramePr>
-          <p:cNvPr id="6" name="Table 3">
-            <a:extLst>
-              <a:ext uri="{FF2B5EF4-FFF2-40B4-BE49-F238E27FC236}">
-                <a16:creationId xmlns:a16="http://schemas.microsoft.com/office/drawing/2014/main" id="{F4D8F027-BD9F-4ED2-A93C-4ACBBA130BE6}"/>
-              </a:ext>
-            </a:extLst>
-          </p:cNvPr>
-          <p:cNvGraphicFramePr>
-            <a:graphicFrameLocks noGrp="1"/>
-          </p:cNvGraphicFramePr>
-          <p:nvPr>
-            <p:extLst>
-              <p:ext uri="{D42A27DB-BD31-4B8C-83A1-F6EECF244321}">
-                <p14:modId xmlns:p14="http://schemas.microsoft.com/office/powerpoint/2010/main" val="2560146083"/>
-              </p:ext>
-            </p:extLst>
-          </p:nvPr>
-        </p:nvGraphicFramePr>
-        <p:xfrm>
-          <a:off x="3640014" y="1431925"/>
-          <a:ext cx="8215435" cy="1005840"/>
-        </p:xfrm>
-        <a:graphic>
-          <a:graphicData uri="http://schemas.openxmlformats.org/drawingml/2006/table">
-            <a:tbl>
-              <a:tblPr firstRow="1" bandRow="1">
-                <a:tableStyleId>{5C22544A-7EE6-4342-B048-85BDC9FD1C3A}</a:tableStyleId>
-              </a:tblPr>
-              <a:tblGrid>
-                <a:gridCol w="8215435">
-                  <a:extLst>
-                    <a:ext uri="{9D8B030D-6E8A-4147-A177-3AD203B41FA5}">
-                      <a16:colId xmlns:a16="http://schemas.microsoft.com/office/drawing/2014/main" val="20000"/>
-                    </a:ext>
-                  </a:extLst>
-                </a:gridCol>
-              </a:tblGrid>
-              <a:tr h="0">
-                <a:tc>
-                  <a:txBody>
-                    <a:bodyPr/>
-                    <a:lstStyle/>
-                    <a:p>
-                      <a:pPr marL="0" lvl="1" indent="0" latinLnBrk="0">
-                        <a:buFontTx/>
-                        <a:buNone/>
-                      </a:pPr>
-                      <a:r>
-                        <a:rPr lang="ko-KR" altLang="en-US" b="1" kern="1200" dirty="0">
-                          <a:solidFill>
-                            <a:srgbClr val="FFFFFF"/>
-                          </a:solidFill>
-                        </a:rPr>
-                        <a:t>특징</a:t>
-                      </a:r>
-                    </a:p>
-                  </a:txBody>
-                  <a:tcPr/>
-                </a:tc>
-                <a:extLst>
-                  <a:ext uri="{0D108BD9-81ED-4DB2-BD59-A6C34878D82A}">
-                    <a16:rowId xmlns:a16="http://schemas.microsoft.com/office/drawing/2014/main" val="10000"/>
-                  </a:ext>
-                </a:extLst>
-              </a:tr>
-              <a:tr h="283594">
-                <a:tc>
-                  <a:txBody>
-                    <a:bodyPr/>
-                    <a:lstStyle/>
-                    <a:p>
-                      <a:pPr marL="0" lvl="1" indent="0" latinLnBrk="1">
-                        <a:buFontTx/>
-                        <a:buNone/>
-                      </a:pPr>
-                      <a:r>
-                        <a:rPr lang="ko-KR" altLang="en-US" sz="1200" kern="1200" dirty="0">
-                          <a:solidFill>
-                            <a:srgbClr val="000000"/>
-                          </a:solidFill>
-                        </a:rPr>
-                        <a:t>무림에 소속된 스님들의 </a:t>
-                      </a:r>
-                      <a:r>
-                        <a:rPr lang="ko-KR" altLang="en-US" sz="1200" kern="1200" dirty="0" err="1">
-                          <a:solidFill>
-                            <a:srgbClr val="000000"/>
-                          </a:solidFill>
-                        </a:rPr>
-                        <a:t>문파</a:t>
-                      </a:r>
-                      <a:r>
-                        <a:rPr lang="en-US" altLang="ko-KR" sz="1200" kern="1200" dirty="0">
-                          <a:solidFill>
-                            <a:srgbClr val="000000"/>
-                          </a:solidFill>
-                        </a:rPr>
-                        <a:t>.</a:t>
-                      </a:r>
-                    </a:p>
-                    <a:p>
-                      <a:pPr marL="0" lvl="1" indent="0" latinLnBrk="1">
-                        <a:buFontTx/>
-                        <a:buNone/>
-                      </a:pPr>
-                      <a:r>
-                        <a:rPr lang="ko-KR" altLang="en-US" sz="1200" kern="1200" dirty="0">
-                          <a:solidFill>
-                            <a:srgbClr val="000000"/>
-                          </a:solidFill>
-                        </a:rPr>
-                        <a:t>정파에 우두머리와 같은 위치에 있는 </a:t>
-                      </a:r>
-                      <a:r>
-                        <a:rPr lang="ko-KR" altLang="en-US" sz="1200" kern="1200" dirty="0" err="1">
-                          <a:solidFill>
-                            <a:srgbClr val="000000"/>
-                          </a:solidFill>
-                        </a:rPr>
-                        <a:t>문파로</a:t>
-                      </a:r>
-                      <a:r>
-                        <a:rPr lang="ko-KR" altLang="en-US" sz="1200" kern="1200" dirty="0">
-                          <a:solidFill>
-                            <a:srgbClr val="000000"/>
-                          </a:solidFill>
-                        </a:rPr>
-                        <a:t> 전대를 포함하여 대부분의 </a:t>
-                      </a:r>
-                      <a:r>
-                        <a:rPr lang="ko-KR" altLang="en-US" sz="1200" kern="1200" dirty="0" err="1">
-                          <a:solidFill>
-                            <a:srgbClr val="000000"/>
-                          </a:solidFill>
-                        </a:rPr>
-                        <a:t>무림맹주를</a:t>
-                      </a:r>
-                      <a:r>
-                        <a:rPr lang="ko-KR" altLang="en-US" sz="1200" kern="1200" dirty="0">
-                          <a:solidFill>
-                            <a:srgbClr val="000000"/>
-                          </a:solidFill>
-                        </a:rPr>
-                        <a:t> 배출하였다</a:t>
-                      </a:r>
-                      <a:r>
-                        <a:rPr lang="en-US" altLang="ko-KR" sz="1200" kern="1200" dirty="0">
-                          <a:solidFill>
-                            <a:srgbClr val="000000"/>
-                          </a:solidFill>
-                        </a:rPr>
-                        <a:t>. </a:t>
-                      </a:r>
-                      <a:r>
-                        <a:rPr lang="ko-KR" altLang="en-US" sz="1200" kern="1200" dirty="0">
-                          <a:solidFill>
-                            <a:srgbClr val="000000"/>
-                          </a:solidFill>
-                        </a:rPr>
-                        <a:t>그 역사와 정통성을 인정받아 정파에서 가장 인정 받는 </a:t>
-                      </a:r>
-                      <a:r>
-                        <a:rPr lang="ko-KR" altLang="en-US" sz="1200" kern="1200" dirty="0" err="1">
-                          <a:solidFill>
-                            <a:srgbClr val="000000"/>
-                          </a:solidFill>
-                        </a:rPr>
-                        <a:t>문파이며</a:t>
-                      </a:r>
-                      <a:r>
-                        <a:rPr lang="ko-KR" altLang="en-US" sz="1200" kern="1200" dirty="0">
-                          <a:solidFill>
-                            <a:srgbClr val="000000"/>
-                          </a:solidFill>
-                        </a:rPr>
-                        <a:t> 정파 최강의 전투력을 가졌다고 평가된다</a:t>
-                      </a:r>
-                      <a:r>
-                        <a:rPr lang="en-US" altLang="ko-KR" sz="1200" kern="1200" dirty="0">
-                          <a:solidFill>
-                            <a:srgbClr val="000000"/>
-                          </a:solidFill>
-                        </a:rPr>
-                        <a:t>.</a:t>
-                      </a:r>
-                    </a:p>
-                  </a:txBody>
-                  <a:tcPr anchor="ctr"/>
-                </a:tc>
-                <a:extLst>
-                  <a:ext uri="{0D108BD9-81ED-4DB2-BD59-A6C34878D82A}">
-                    <a16:rowId xmlns:a16="http://schemas.microsoft.com/office/drawing/2014/main" val="10001"/>
-                  </a:ext>
-                </a:extLst>
-              </a:tr>
-            </a:tbl>
-          </a:graphicData>
-        </a:graphic>
-      </p:graphicFrame>
-      <p:graphicFrame>
-        <p:nvGraphicFramePr>
-          <p:cNvPr id="10" name="Table 3">
-            <a:extLst>
-              <a:ext uri="{FF2B5EF4-FFF2-40B4-BE49-F238E27FC236}">
-                <a16:creationId xmlns:a16="http://schemas.microsoft.com/office/drawing/2014/main" id="{646AFF32-A9A6-4C09-8C33-2594ED157D98}"/>
-              </a:ext>
-            </a:extLst>
-          </p:cNvPr>
-          <p:cNvGraphicFramePr>
-            <a:graphicFrameLocks noGrp="1"/>
-          </p:cNvGraphicFramePr>
-          <p:nvPr>
-            <p:extLst>
-              <p:ext uri="{D42A27DB-BD31-4B8C-83A1-F6EECF244321}">
-                <p14:modId xmlns:p14="http://schemas.microsoft.com/office/powerpoint/2010/main" val="2037719969"/>
-              </p:ext>
-            </p:extLst>
-          </p:nvPr>
-        </p:nvGraphicFramePr>
-        <p:xfrm>
-          <a:off x="3640014" y="2437765"/>
-          <a:ext cx="8215435" cy="822960"/>
-        </p:xfrm>
-        <a:graphic>
-          <a:graphicData uri="http://schemas.openxmlformats.org/drawingml/2006/table">
-            <a:tbl>
-              <a:tblPr firstRow="1" bandRow="1">
-                <a:tableStyleId>{5C22544A-7EE6-4342-B048-85BDC9FD1C3A}</a:tableStyleId>
-              </a:tblPr>
-              <a:tblGrid>
-                <a:gridCol w="8215435">
-                  <a:extLst>
-                    <a:ext uri="{9D8B030D-6E8A-4147-A177-3AD203B41FA5}">
-                      <a16:colId xmlns:a16="http://schemas.microsoft.com/office/drawing/2014/main" val="20000"/>
-                    </a:ext>
-                  </a:extLst>
-                </a:gridCol>
-              </a:tblGrid>
-              <a:tr h="0">
-                <a:tc>
-                  <a:txBody>
-                    <a:bodyPr/>
-                    <a:lstStyle/>
-                    <a:p>
-                      <a:pPr marL="0" lvl="1" indent="0" latinLnBrk="0">
-                        <a:buFontTx/>
-                        <a:buNone/>
-                      </a:pPr>
-                      <a:r>
-                        <a:rPr lang="ko-KR" altLang="en-US" b="1" kern="1200" dirty="0">
-                          <a:solidFill>
-                            <a:srgbClr val="FFFFFF"/>
-                          </a:solidFill>
-                        </a:rPr>
-                        <a:t>역할</a:t>
-                      </a:r>
-                    </a:p>
-                  </a:txBody>
-                  <a:tcPr/>
-                </a:tc>
-                <a:extLst>
-                  <a:ext uri="{0D108BD9-81ED-4DB2-BD59-A6C34878D82A}">
-                    <a16:rowId xmlns:a16="http://schemas.microsoft.com/office/drawing/2014/main" val="10000"/>
-                  </a:ext>
-                </a:extLst>
-              </a:tr>
-              <a:tr h="163126">
-                <a:tc>
-                  <a:txBody>
-                    <a:bodyPr/>
-                    <a:lstStyle/>
-                    <a:p>
-                      <a:pPr marL="0" lvl="1" indent="0" latinLnBrk="1">
-                        <a:buFontTx/>
-                        <a:buNone/>
-                      </a:pPr>
-                      <a:r>
-                        <a:rPr lang="ko-KR" altLang="en-US" sz="1200" kern="1200" dirty="0">
-                          <a:solidFill>
-                            <a:srgbClr val="000000"/>
-                          </a:solidFill>
-                        </a:rPr>
-                        <a:t>게임 내에서 정파의 우두머리로 가장 큰 영향력을 가지고 있다</a:t>
-                      </a:r>
-                      <a:r>
-                        <a:rPr lang="en-US" altLang="ko-KR" sz="1200" kern="1200" dirty="0">
-                          <a:solidFill>
-                            <a:srgbClr val="000000"/>
-                          </a:solidFill>
-                        </a:rPr>
-                        <a:t>. </a:t>
-                      </a:r>
-                    </a:p>
-                    <a:p>
-                      <a:pPr marL="0" lvl="1" indent="0" latinLnBrk="1">
-                        <a:buFontTx/>
-                        <a:buNone/>
-                      </a:pPr>
-                      <a:r>
-                        <a:rPr lang="ko-KR" altLang="en-US" sz="1200" kern="1200" dirty="0">
-                          <a:solidFill>
-                            <a:srgbClr val="000000"/>
-                          </a:solidFill>
-                        </a:rPr>
-                        <a:t>소림에 우호도 증가 시 다른 정파 세력들의 우호도 또한 소폭 상승한다</a:t>
-                      </a:r>
-                      <a:r>
-                        <a:rPr lang="en-US" altLang="ko-KR" sz="1200" kern="1200" dirty="0">
-                          <a:solidFill>
-                            <a:srgbClr val="000000"/>
-                          </a:solidFill>
-                        </a:rPr>
-                        <a:t>.</a:t>
-                      </a:r>
-                    </a:p>
-                  </a:txBody>
-                  <a:tcPr anchor="ctr"/>
-                </a:tc>
-                <a:extLst>
-                  <a:ext uri="{0D108BD9-81ED-4DB2-BD59-A6C34878D82A}">
-                    <a16:rowId xmlns:a16="http://schemas.microsoft.com/office/drawing/2014/main" val="10001"/>
-                  </a:ext>
-                </a:extLst>
-              </a:tr>
-            </a:tbl>
-          </a:graphicData>
-        </a:graphic>
-      </p:graphicFrame>
-      <p:graphicFrame>
-        <p:nvGraphicFramePr>
           <p:cNvPr id="11" name="표 2">
             <a:extLst>
               <a:ext uri="{FF2B5EF4-FFF2-40B4-BE49-F238E27FC236}">
@@ -13471,14 +12968,14 @@
           <p:nvPr>
             <p:extLst>
               <p:ext uri="{D42A27DB-BD31-4B8C-83A1-F6EECF244321}">
-                <p14:modId xmlns:p14="http://schemas.microsoft.com/office/powerpoint/2010/main" val="3807797754"/>
+                <p14:modId xmlns:p14="http://schemas.microsoft.com/office/powerpoint/2010/main" val="2161401562"/>
               </p:ext>
             </p:extLst>
           </p:nvPr>
         </p:nvGraphicFramePr>
         <p:xfrm>
-          <a:off x="327025" y="3389926"/>
-          <a:ext cx="5755324" cy="2011680"/>
+          <a:off x="327024" y="3389926"/>
+          <a:ext cx="11530013" cy="1828800"/>
         </p:xfrm>
         <a:graphic>
           <a:graphicData uri="http://schemas.openxmlformats.org/drawingml/2006/table">
@@ -13487,14 +12984,14 @@
                 <a:tableStyleId>{5C22544A-7EE6-4342-B048-85BDC9FD1C3A}</a:tableStyleId>
               </a:tblPr>
               <a:tblGrid>
-                <a:gridCol w="525829">
+                <a:gridCol w="1053427">
                   <a:extLst>
                     <a:ext uri="{9D8B030D-6E8A-4147-A177-3AD203B41FA5}">
                       <a16:colId xmlns:a16="http://schemas.microsoft.com/office/drawing/2014/main" val="30228805"/>
                     </a:ext>
                   </a:extLst>
                 </a:gridCol>
-                <a:gridCol w="5229495">
+                <a:gridCol w="10476586">
                   <a:extLst>
                     <a:ext uri="{9D8B030D-6E8A-4147-A177-3AD203B41FA5}">
                       <a16:colId xmlns:a16="http://schemas.microsoft.com/office/drawing/2014/main" val="2992114612"/>
@@ -13565,7 +13062,7 @@
                       </a:r>
                       <a:r>
                         <a:rPr lang="ko-KR" altLang="en-US" sz="1200" dirty="0"/>
-                        <a:t> 권법을 사용한 근거리 전투를 한다</a:t>
+                        <a:t> 권법을 사용한 근거리 전투가 특기</a:t>
                       </a:r>
                       <a:r>
                         <a:rPr lang="en-US" altLang="ko-KR" sz="1200" dirty="0"/>
@@ -13576,10 +13073,10 @@
                       <a:pPr latinLnBrk="1"/>
                       <a:r>
                         <a:rPr lang="ko-KR" altLang="en-US" sz="1200" dirty="0"/>
-                        <a:t>강한 방어력과 체력을 앞세워 공격을 몸으로 받아내고 짧은 거리지만 강하고 빠른 공격을 하는 전투방식을 가진다</a:t>
-                      </a:r>
-                      <a:r>
-                        <a:rPr lang="en-US" altLang="ko-KR" sz="1200" dirty="0"/>
+                        <a:t>높은 방어력과 체력을 앞세워 공격을 몸으로 받아내고 짧은 거리지만 강하고 빠른 공격을 탱커</a:t>
+                      </a:r>
+                      <a:r>
+                        <a:rPr lang="en-US" altLang="ko-KR" sz="1200"/>
                         <a:t>.</a:t>
                       </a:r>
                       <a:endParaRPr lang="ko-KR" altLang="en-US" sz="1200" dirty="0"/>
@@ -13895,10 +13392,10 @@
       </p:graphicFrame>
       <p:graphicFrame>
         <p:nvGraphicFramePr>
-          <p:cNvPr id="12" name="표 2">
+          <p:cNvPr id="14" name="표 2">
             <a:extLst>
               <a:ext uri="{FF2B5EF4-FFF2-40B4-BE49-F238E27FC236}">
-                <a16:creationId xmlns:a16="http://schemas.microsoft.com/office/drawing/2014/main" id="{BDF707A8-C799-4BD5-969C-F7D0BE7182CF}"/>
+                <a16:creationId xmlns:a16="http://schemas.microsoft.com/office/drawing/2014/main" id="{CF0F44FF-D3E9-4092-B9B9-B6A9B786A501}"/>
               </a:ext>
             </a:extLst>
           </p:cNvPr>
@@ -13908,14 +13405,14 @@
           <p:nvPr>
             <p:extLst>
               <p:ext uri="{D42A27DB-BD31-4B8C-83A1-F6EECF244321}">
-                <p14:modId xmlns:p14="http://schemas.microsoft.com/office/powerpoint/2010/main" val="533430587"/>
+                <p14:modId xmlns:p14="http://schemas.microsoft.com/office/powerpoint/2010/main" val="178426485"/>
               </p:ext>
             </p:extLst>
           </p:nvPr>
         </p:nvGraphicFramePr>
         <p:xfrm>
-          <a:off x="6091239" y="3389926"/>
-          <a:ext cx="5755324" cy="640080"/>
+          <a:off x="3576320" y="1420310"/>
+          <a:ext cx="8279130" cy="1958469"/>
         </p:xfrm>
         <a:graphic>
           <a:graphicData uri="http://schemas.openxmlformats.org/drawingml/2006/table">
@@ -13924,7 +13421,7 @@
                 <a:tableStyleId>{5C22544A-7EE6-4342-B048-85BDC9FD1C3A}</a:tableStyleId>
               </a:tblPr>
               <a:tblGrid>
-                <a:gridCol w="5755324">
+                <a:gridCol w="8279130">
                   <a:extLst>
                     <a:ext uri="{9D8B030D-6E8A-4147-A177-3AD203B41FA5}">
                       <a16:colId xmlns:a16="http://schemas.microsoft.com/office/drawing/2014/main" val="30228805"/>
@@ -13932,7 +13429,7 @@
                   </a:extLst>
                 </a:gridCol>
               </a:tblGrid>
-              <a:tr h="0">
+              <a:tr h="290795">
                 <a:tc>
                   <a:txBody>
                     <a:bodyPr/>
@@ -13953,7 +13450,7 @@
                   </a:ext>
                 </a:extLst>
               </a:tr>
-              <a:tr h="0">
+              <a:tr h="1592709">
                 <a:tc>
                   <a:txBody>
                     <a:bodyPr/>
@@ -14092,266 +13589,6 @@
       </p:pic>
       <p:graphicFrame>
         <p:nvGraphicFramePr>
-          <p:cNvPr id="5" name="Table 3">
-            <a:extLst>
-              <a:ext uri="{FF2B5EF4-FFF2-40B4-BE49-F238E27FC236}">
-                <a16:creationId xmlns:a16="http://schemas.microsoft.com/office/drawing/2014/main" id="{39654892-FB35-4612-A924-735030667FFC}"/>
-              </a:ext>
-            </a:extLst>
-          </p:cNvPr>
-          <p:cNvGraphicFramePr>
-            <a:graphicFrameLocks noGrp="1"/>
-          </p:cNvGraphicFramePr>
-          <p:nvPr>
-            <p:extLst>
-              <p:ext uri="{D42A27DB-BD31-4B8C-83A1-F6EECF244321}">
-                <p14:modId xmlns:p14="http://schemas.microsoft.com/office/powerpoint/2010/main" val="1679187098"/>
-              </p:ext>
-            </p:extLst>
-          </p:nvPr>
-        </p:nvGraphicFramePr>
-        <p:xfrm>
-          <a:off x="3640014" y="1431925"/>
-          <a:ext cx="8215435" cy="822960"/>
-        </p:xfrm>
-        <a:graphic>
-          <a:graphicData uri="http://schemas.openxmlformats.org/drawingml/2006/table">
-            <a:tbl>
-              <a:tblPr firstRow="1" bandRow="1">
-                <a:tableStyleId>{5C22544A-7EE6-4342-B048-85BDC9FD1C3A}</a:tableStyleId>
-              </a:tblPr>
-              <a:tblGrid>
-                <a:gridCol w="8215435">
-                  <a:extLst>
-                    <a:ext uri="{9D8B030D-6E8A-4147-A177-3AD203B41FA5}">
-                      <a16:colId xmlns:a16="http://schemas.microsoft.com/office/drawing/2014/main" val="20000"/>
-                    </a:ext>
-                  </a:extLst>
-                </a:gridCol>
-              </a:tblGrid>
-              <a:tr h="0">
-                <a:tc>
-                  <a:txBody>
-                    <a:bodyPr/>
-                    <a:lstStyle/>
-                    <a:p>
-                      <a:pPr marL="0" lvl="1" indent="0" latinLnBrk="0">
-                        <a:buFontTx/>
-                        <a:buNone/>
-                      </a:pPr>
-                      <a:r>
-                        <a:rPr lang="ko-KR" altLang="en-US" b="1" kern="1200" dirty="0">
-                          <a:solidFill>
-                            <a:srgbClr val="FFFFFF"/>
-                          </a:solidFill>
-                        </a:rPr>
-                        <a:t>특징</a:t>
-                      </a:r>
-                    </a:p>
-                  </a:txBody>
-                  <a:tcPr/>
-                </a:tc>
-                <a:extLst>
-                  <a:ext uri="{0D108BD9-81ED-4DB2-BD59-A6C34878D82A}">
-                    <a16:rowId xmlns:a16="http://schemas.microsoft.com/office/drawing/2014/main" val="10000"/>
-                  </a:ext>
-                </a:extLst>
-              </a:tr>
-              <a:tr h="283594">
-                <a:tc>
-                  <a:txBody>
-                    <a:bodyPr/>
-                    <a:lstStyle/>
-                    <a:p>
-                      <a:pPr marL="0" lvl="1" indent="0" latinLnBrk="1">
-                        <a:buFontTx/>
-                        <a:buNone/>
-                      </a:pPr>
-                      <a:r>
-                        <a:rPr lang="ko-KR" altLang="en-US" sz="1200" kern="1200" dirty="0">
-                          <a:solidFill>
-                            <a:srgbClr val="000000"/>
-                          </a:solidFill>
-                        </a:rPr>
-                        <a:t>무림에 소속된 도사들의 </a:t>
-                      </a:r>
-                      <a:r>
-                        <a:rPr lang="ko-KR" altLang="en-US" sz="1200" kern="1200" dirty="0" err="1">
-                          <a:solidFill>
-                            <a:srgbClr val="000000"/>
-                          </a:solidFill>
-                        </a:rPr>
-                        <a:t>문파</a:t>
-                      </a:r>
-                      <a:r>
-                        <a:rPr lang="en-US" altLang="ko-KR" sz="1200" kern="1200" dirty="0">
-                          <a:solidFill>
-                            <a:srgbClr val="000000"/>
-                          </a:solidFill>
-                        </a:rPr>
-                        <a:t>.</a:t>
-                      </a:r>
-                    </a:p>
-                    <a:p>
-                      <a:pPr marL="0" lvl="1" indent="0" latinLnBrk="1">
-                        <a:buFontTx/>
-                        <a:buNone/>
-                      </a:pPr>
-                      <a:r>
-                        <a:rPr lang="ko-KR" altLang="en-US" sz="1200" kern="1200" dirty="0">
-                          <a:solidFill>
-                            <a:srgbClr val="000000"/>
-                          </a:solidFill>
-                        </a:rPr>
-                        <a:t>무당 특유의 검법과 권법이 유명하며 화산과 함께 정파내 전투력 </a:t>
-                      </a:r>
-                      <a:r>
-                        <a:rPr lang="en-US" altLang="ko-KR" sz="1200" kern="1200" dirty="0">
-                          <a:solidFill>
-                            <a:srgbClr val="000000"/>
-                          </a:solidFill>
-                        </a:rPr>
-                        <a:t>2</a:t>
-                      </a:r>
-                      <a:r>
-                        <a:rPr lang="ko-KR" altLang="en-US" sz="1200" kern="1200" dirty="0">
-                          <a:solidFill>
-                            <a:srgbClr val="000000"/>
-                          </a:solidFill>
-                        </a:rPr>
-                        <a:t>위로 평가된다</a:t>
-                      </a:r>
-                      <a:r>
-                        <a:rPr lang="en-US" altLang="ko-KR" sz="1200" kern="1200" dirty="0">
-                          <a:solidFill>
-                            <a:srgbClr val="000000"/>
-                          </a:solidFill>
-                        </a:rPr>
-                        <a:t>.</a:t>
-                      </a:r>
-                    </a:p>
-                  </a:txBody>
-                  <a:tcPr anchor="ctr"/>
-                </a:tc>
-                <a:extLst>
-                  <a:ext uri="{0D108BD9-81ED-4DB2-BD59-A6C34878D82A}">
-                    <a16:rowId xmlns:a16="http://schemas.microsoft.com/office/drawing/2014/main" val="10001"/>
-                  </a:ext>
-                </a:extLst>
-              </a:tr>
-            </a:tbl>
-          </a:graphicData>
-        </a:graphic>
-      </p:graphicFrame>
-      <p:graphicFrame>
-        <p:nvGraphicFramePr>
-          <p:cNvPr id="7" name="Table 3">
-            <a:extLst>
-              <a:ext uri="{FF2B5EF4-FFF2-40B4-BE49-F238E27FC236}">
-                <a16:creationId xmlns:a16="http://schemas.microsoft.com/office/drawing/2014/main" id="{100A72F7-3BA3-4969-9502-A1A60214EC49}"/>
-              </a:ext>
-            </a:extLst>
-          </p:cNvPr>
-          <p:cNvGraphicFramePr>
-            <a:graphicFrameLocks noGrp="1"/>
-          </p:cNvGraphicFramePr>
-          <p:nvPr>
-            <p:extLst>
-              <p:ext uri="{D42A27DB-BD31-4B8C-83A1-F6EECF244321}">
-                <p14:modId xmlns:p14="http://schemas.microsoft.com/office/powerpoint/2010/main" val="3699862232"/>
-              </p:ext>
-            </p:extLst>
-          </p:nvPr>
-        </p:nvGraphicFramePr>
-        <p:xfrm>
-          <a:off x="3640014" y="2437765"/>
-          <a:ext cx="8215435" cy="640080"/>
-        </p:xfrm>
-        <a:graphic>
-          <a:graphicData uri="http://schemas.openxmlformats.org/drawingml/2006/table">
-            <a:tbl>
-              <a:tblPr firstRow="1" bandRow="1">
-                <a:tableStyleId>{5C22544A-7EE6-4342-B048-85BDC9FD1C3A}</a:tableStyleId>
-              </a:tblPr>
-              <a:tblGrid>
-                <a:gridCol w="8215435">
-                  <a:extLst>
-                    <a:ext uri="{9D8B030D-6E8A-4147-A177-3AD203B41FA5}">
-                      <a16:colId xmlns:a16="http://schemas.microsoft.com/office/drawing/2014/main" val="20000"/>
-                    </a:ext>
-                  </a:extLst>
-                </a:gridCol>
-              </a:tblGrid>
-              <a:tr h="0">
-                <a:tc>
-                  <a:txBody>
-                    <a:bodyPr/>
-                    <a:lstStyle/>
-                    <a:p>
-                      <a:pPr marL="0" lvl="1" indent="0" latinLnBrk="0">
-                        <a:buFontTx/>
-                        <a:buNone/>
-                      </a:pPr>
-                      <a:r>
-                        <a:rPr lang="ko-KR" altLang="en-US" b="1" kern="1200" dirty="0">
-                          <a:solidFill>
-                            <a:srgbClr val="FFFFFF"/>
-                          </a:solidFill>
-                        </a:rPr>
-                        <a:t>역할</a:t>
-                      </a:r>
-                    </a:p>
-                  </a:txBody>
-                  <a:tcPr/>
-                </a:tc>
-                <a:extLst>
-                  <a:ext uri="{0D108BD9-81ED-4DB2-BD59-A6C34878D82A}">
-                    <a16:rowId xmlns:a16="http://schemas.microsoft.com/office/drawing/2014/main" val="10000"/>
-                  </a:ext>
-                </a:extLst>
-              </a:tr>
-              <a:tr h="163126">
-                <a:tc>
-                  <a:txBody>
-                    <a:bodyPr/>
-                    <a:lstStyle/>
-                    <a:p>
-                      <a:pPr marL="0" lvl="1" indent="0" latinLnBrk="1">
-                        <a:buFontTx/>
-                        <a:buNone/>
-                      </a:pPr>
-                      <a:r>
-                        <a:rPr lang="ko-KR" altLang="en-US" sz="1200" kern="1200" dirty="0">
-                          <a:solidFill>
-                            <a:srgbClr val="000000"/>
-                          </a:solidFill>
-                        </a:rPr>
-                        <a:t>개방을 통하여 토벌단에 임무를 전달하고 있다</a:t>
-                      </a:r>
-                      <a:r>
-                        <a:rPr lang="en-US" altLang="ko-KR" sz="1200" kern="1200" dirty="0">
-                          <a:solidFill>
-                            <a:srgbClr val="000000"/>
-                          </a:solidFill>
-                        </a:rPr>
-                        <a:t>.</a:t>
-                      </a:r>
-                    </a:p>
-                  </a:txBody>
-                  <a:tcPr anchor="ctr"/>
-                </a:tc>
-                <a:extLst>
-                  <a:ext uri="{0D108BD9-81ED-4DB2-BD59-A6C34878D82A}">
-                    <a16:rowId xmlns:a16="http://schemas.microsoft.com/office/drawing/2014/main" val="10001"/>
-                  </a:ext>
-                </a:extLst>
-              </a:tr>
-            </a:tbl>
-          </a:graphicData>
-        </a:graphic>
-      </p:graphicFrame>
-      <p:graphicFrame>
-        <p:nvGraphicFramePr>
           <p:cNvPr id="8" name="표 2">
             <a:extLst>
               <a:ext uri="{FF2B5EF4-FFF2-40B4-BE49-F238E27FC236}">
@@ -14725,6 +13962,92 @@
                 </a:extLst>
               </a:tr>
               <a:tr h="0">
+                <a:tc>
+                  <a:txBody>
+                    <a:bodyPr/>
+                    <a:lstStyle/>
+                    <a:p>
+                      <a:pPr latinLnBrk="1"/>
+                      <a:endParaRPr lang="ko-KR" altLang="en-US" sz="1200" kern="1200" dirty="0">
+                        <a:solidFill>
+                          <a:srgbClr val="000000"/>
+                        </a:solidFill>
+                      </a:endParaRPr>
+                    </a:p>
+                  </a:txBody>
+                  <a:tcPr/>
+                </a:tc>
+                <a:extLst>
+                  <a:ext uri="{0D108BD9-81ED-4DB2-BD59-A6C34878D82A}">
+                    <a16:rowId xmlns:a16="http://schemas.microsoft.com/office/drawing/2014/main" val="3464435250"/>
+                  </a:ext>
+                </a:extLst>
+              </a:tr>
+            </a:tbl>
+          </a:graphicData>
+        </a:graphic>
+      </p:graphicFrame>
+      <p:graphicFrame>
+        <p:nvGraphicFramePr>
+          <p:cNvPr id="13" name="표 2">
+            <a:extLst>
+              <a:ext uri="{FF2B5EF4-FFF2-40B4-BE49-F238E27FC236}">
+                <a16:creationId xmlns:a16="http://schemas.microsoft.com/office/drawing/2014/main" id="{69BB52C5-4D7E-4162-8B55-057ACEEBB218}"/>
+              </a:ext>
+            </a:extLst>
+          </p:cNvPr>
+          <p:cNvGraphicFramePr>
+            <a:graphicFrameLocks noGrp="1"/>
+          </p:cNvGraphicFramePr>
+          <p:nvPr>
+            <p:extLst>
+              <p:ext uri="{D42A27DB-BD31-4B8C-83A1-F6EECF244321}">
+                <p14:modId xmlns:p14="http://schemas.microsoft.com/office/powerpoint/2010/main" val="178426485"/>
+              </p:ext>
+            </p:extLst>
+          </p:nvPr>
+        </p:nvGraphicFramePr>
+        <p:xfrm>
+          <a:off x="3576320" y="1420310"/>
+          <a:ext cx="8279130" cy="1958469"/>
+        </p:xfrm>
+        <a:graphic>
+          <a:graphicData uri="http://schemas.openxmlformats.org/drawingml/2006/table">
+            <a:tbl>
+              <a:tblPr firstRow="1" bandRow="1">
+                <a:tableStyleId>{5C22544A-7EE6-4342-B048-85BDC9FD1C3A}</a:tableStyleId>
+              </a:tblPr>
+              <a:tblGrid>
+                <a:gridCol w="8279130">
+                  <a:extLst>
+                    <a:ext uri="{9D8B030D-6E8A-4147-A177-3AD203B41FA5}">
+                      <a16:colId xmlns:a16="http://schemas.microsoft.com/office/drawing/2014/main" val="30228805"/>
+                    </a:ext>
+                  </a:extLst>
+                </a:gridCol>
+              </a:tblGrid>
+              <a:tr h="290795">
+                <a:tc>
+                  <a:txBody>
+                    <a:bodyPr/>
+                    <a:lstStyle/>
+                    <a:p>
+                      <a:pPr latinLnBrk="1"/>
+                      <a:r>
+                        <a:rPr lang="ko-KR" altLang="en-US" dirty="0"/>
+                        <a:t>배경</a:t>
+                      </a:r>
+                    </a:p>
+                  </a:txBody>
+                  <a:tcPr/>
+                </a:tc>
+                <a:extLst>
+                  <a:ext uri="{0D108BD9-81ED-4DB2-BD59-A6C34878D82A}">
+                    <a16:rowId xmlns:a16="http://schemas.microsoft.com/office/drawing/2014/main" val="2824934834"/>
+                  </a:ext>
+                </a:extLst>
+              </a:tr>
+              <a:tr h="1592709">
                 <a:tc>
                   <a:txBody>
                     <a:bodyPr/>
